--- a/kurs_work_presentation.pptx
+++ b/kurs_work_presentation.pptx
@@ -6,32 +6,34 @@
   </p:sldMasterIdLst>
   <p:sldIdLst>
     <p:sldId id="258" r:id="rId2"/>
-    <p:sldId id="259" r:id="rId3"/>
-    <p:sldId id="260" r:id="rId4"/>
-    <p:sldId id="267" r:id="rId5"/>
-    <p:sldId id="269" r:id="rId6"/>
-    <p:sldId id="268" r:id="rId7"/>
-    <p:sldId id="270" r:id="rId8"/>
-    <p:sldId id="261" r:id="rId9"/>
-    <p:sldId id="271" r:id="rId10"/>
-    <p:sldId id="265" r:id="rId11"/>
+    <p:sldId id="278" r:id="rId3"/>
+    <p:sldId id="274" r:id="rId4"/>
+    <p:sldId id="275" r:id="rId5"/>
+    <p:sldId id="279" r:id="rId6"/>
+    <p:sldId id="280" r:id="rId7"/>
+    <p:sldId id="268" r:id="rId8"/>
+    <p:sldId id="270" r:id="rId9"/>
+    <p:sldId id="261" r:id="rId10"/>
+    <p:sldId id="281" r:id="rId11"/>
+    <p:sldId id="271" r:id="rId12"/>
+    <p:sldId id="265" r:id="rId13"/>
   </p:sldIdLst>
   <p:sldSz cx="12192000" cy="6858000"/>
   <p:notesSz cx="6858000" cy="9144000"/>
   <p:embeddedFontLst>
     <p:embeddedFont>
       <p:font typeface="Calibri" panose="020F0502020204030204" pitchFamily="34" charset="0"/>
-      <p:regular r:id="rId12"/>
-      <p:bold r:id="rId13"/>
-      <p:italic r:id="rId14"/>
-      <p:boldItalic r:id="rId15"/>
+      <p:regular r:id="rId14"/>
+      <p:bold r:id="rId15"/>
+      <p:italic r:id="rId16"/>
+      <p:boldItalic r:id="rId17"/>
     </p:embeddedFont>
     <p:embeddedFont>
       <p:font typeface="Montserrat" panose="020B0604020202020204" charset="-52"/>
-      <p:regular r:id="rId16"/>
-      <p:bold r:id="rId17"/>
-      <p:italic r:id="rId18"/>
-      <p:boldItalic r:id="rId19"/>
+      <p:regular r:id="rId18"/>
+      <p:bold r:id="rId19"/>
+      <p:italic r:id="rId20"/>
+      <p:boldItalic r:id="rId21"/>
     </p:embeddedFont>
   </p:embeddedFontLst>
   <p:defaultTextStyle>
@@ -3074,7 +3076,15 @@
           <a:p>
             <a:r>
               <a:rPr lang="ru-RU" dirty="0"/>
-              <a:t>07.06.2023</a:t>
+              <a:t>2023</a:t>
+            </a:r>
+            <a:r>
+              <a:rPr lang="en-US" dirty="0"/>
+              <a:t> </a:t>
+            </a:r>
+            <a:r>
+              <a:rPr lang="ru-RU" dirty="0"/>
+              <a:t>г.</a:t>
             </a:r>
           </a:p>
         </p:txBody>
@@ -3418,8 +3428,8 @@
         </p:blipFill>
         <p:spPr>
           <a:xfrm>
-            <a:off x="10058399" y="146029"/>
-            <a:ext cx="2155971" cy="2155971"/>
+            <a:off x="2651190" y="217879"/>
+            <a:ext cx="2235201" cy="2235201"/>
           </a:xfrm>
           <a:prstGeom prst="rect">
             <a:avLst/>
@@ -3440,6 +3450,391 @@
 </file>
 
 <file path=ppt/slides/slide10.xml><?xml version="1.0" encoding="utf-8"?>
+<p:sld xmlns:a="http://schemas.openxmlformats.org/drawingml/2006/main" xmlns:r="http://schemas.openxmlformats.org/officeDocument/2006/relationships" xmlns:p="http://schemas.openxmlformats.org/presentationml/2006/main">
+  <p:cSld>
+    <p:spTree>
+      <p:nvGrpSpPr>
+        <p:cNvPr id="1" name=""/>
+        <p:cNvGrpSpPr/>
+        <p:nvPr/>
+      </p:nvGrpSpPr>
+      <p:grpSpPr>
+        <a:xfrm>
+          <a:off x="0" y="0"/>
+          <a:ext cx="0" cy="0"/>
+          <a:chOff x="0" y="0"/>
+          <a:chExt cx="0" cy="0"/>
+        </a:xfrm>
+      </p:grpSpPr>
+      <p:sp>
+        <p:nvSpPr>
+          <p:cNvPr id="2" name="Заголовок 1">
+            <a:extLst>
+              <a:ext uri="{FF2B5EF4-FFF2-40B4-BE49-F238E27FC236}">
+                <a16:creationId xmlns:a16="http://schemas.microsoft.com/office/drawing/2014/main" id="{FE3EE661-495C-4E76-87F8-4B8B5806A182}"/>
+              </a:ext>
+            </a:extLst>
+          </p:cNvPr>
+          <p:cNvSpPr>
+            <a:spLocks noGrp="1"/>
+          </p:cNvSpPr>
+          <p:nvPr>
+            <p:ph type="title"/>
+          </p:nvPr>
+        </p:nvSpPr>
+        <p:spPr/>
+        <p:txBody>
+          <a:bodyPr/>
+          <a:lstStyle/>
+          <a:p>
+            <a:r>
+              <a:rPr lang="ru-RU" dirty="0"/>
+              <a:t>Структура приложения</a:t>
+            </a:r>
+          </a:p>
+        </p:txBody>
+      </p:sp>
+      <p:pic>
+        <p:nvPicPr>
+          <p:cNvPr id="6" name="Рисунок 5">
+            <a:extLst>
+              <a:ext uri="{FF2B5EF4-FFF2-40B4-BE49-F238E27FC236}">
+                <a16:creationId xmlns:a16="http://schemas.microsoft.com/office/drawing/2014/main" id="{6DAA24C2-7F62-4714-AC23-C6FD7770ED99}"/>
+              </a:ext>
+            </a:extLst>
+          </p:cNvPr>
+          <p:cNvPicPr>
+            <a:picLocks noChangeAspect="1"/>
+          </p:cNvPicPr>
+          <p:nvPr/>
+        </p:nvPicPr>
+        <p:blipFill>
+          <a:blip r:embed="rId2"/>
+          <a:stretch>
+            <a:fillRect/>
+          </a:stretch>
+        </p:blipFill>
+        <p:spPr>
+          <a:xfrm>
+            <a:off x="1041400" y="1275339"/>
+            <a:ext cx="10401300" cy="5582661"/>
+          </a:xfrm>
+          <a:prstGeom prst="rect">
+            <a:avLst/>
+          </a:prstGeom>
+        </p:spPr>
+      </p:pic>
+    </p:spTree>
+    <p:extLst>
+      <p:ext uri="{BB962C8B-B14F-4D97-AF65-F5344CB8AC3E}">
+        <p14:creationId xmlns:p14="http://schemas.microsoft.com/office/powerpoint/2010/main" val="3635906284"/>
+      </p:ext>
+    </p:extLst>
+  </p:cSld>
+  <p:clrMapOvr>
+    <a:masterClrMapping/>
+  </p:clrMapOvr>
+</p:sld>
+</file>
+
+<file path=ppt/slides/slide11.xml><?xml version="1.0" encoding="utf-8"?>
+<p:sld xmlns:a="http://schemas.openxmlformats.org/drawingml/2006/main" xmlns:r="http://schemas.openxmlformats.org/officeDocument/2006/relationships" xmlns:p="http://schemas.openxmlformats.org/presentationml/2006/main">
+  <p:cSld>
+    <p:spTree>
+      <p:nvGrpSpPr>
+        <p:cNvPr id="1" name=""/>
+        <p:cNvGrpSpPr/>
+        <p:nvPr/>
+      </p:nvGrpSpPr>
+      <p:grpSpPr>
+        <a:xfrm>
+          <a:off x="0" y="0"/>
+          <a:ext cx="0" cy="0"/>
+          <a:chOff x="0" y="0"/>
+          <a:chExt cx="0" cy="0"/>
+        </a:xfrm>
+      </p:grpSpPr>
+      <p:sp>
+        <p:nvSpPr>
+          <p:cNvPr id="2" name="Заголовок 1">
+            <a:extLst>
+              <a:ext uri="{FF2B5EF4-FFF2-40B4-BE49-F238E27FC236}">
+                <a16:creationId xmlns:a16="http://schemas.microsoft.com/office/drawing/2014/main" id="{C8EFD389-8B33-48F9-9908-B52725A8909A}"/>
+              </a:ext>
+            </a:extLst>
+          </p:cNvPr>
+          <p:cNvSpPr>
+            <a:spLocks noGrp="1"/>
+          </p:cNvSpPr>
+          <p:nvPr>
+            <p:ph type="title"/>
+          </p:nvPr>
+        </p:nvSpPr>
+        <p:spPr>
+          <a:xfrm>
+            <a:off x="559572" y="143658"/>
+            <a:ext cx="9173513" cy="954107"/>
+          </a:xfrm>
+        </p:spPr>
+        <p:txBody>
+          <a:bodyPr/>
+          <a:lstStyle/>
+          <a:p>
+            <a:r>
+              <a:rPr lang="ru-RU" dirty="0"/>
+              <a:t>Демонстрация приложения классификатора материально-технических ресурсов</a:t>
+            </a:r>
+          </a:p>
+        </p:txBody>
+      </p:sp>
+      <p:sp>
+        <p:nvSpPr>
+          <p:cNvPr id="5" name="Текст 3">
+            <a:extLst>
+              <a:ext uri="{FF2B5EF4-FFF2-40B4-BE49-F238E27FC236}">
+                <a16:creationId xmlns:a16="http://schemas.microsoft.com/office/drawing/2014/main" id="{60ACD548-CCBB-4EF2-B919-63BF0B4FCB99}"/>
+              </a:ext>
+            </a:extLst>
+          </p:cNvPr>
+          <p:cNvSpPr txBox="1">
+            <a:spLocks/>
+          </p:cNvSpPr>
+          <p:nvPr/>
+        </p:nvSpPr>
+        <p:spPr>
+          <a:xfrm>
+            <a:off x="559572" y="1951672"/>
+            <a:ext cx="5536428" cy="1862048"/>
+          </a:xfrm>
+          <a:prstGeom prst="rect">
+            <a:avLst/>
+          </a:prstGeom>
+        </p:spPr>
+        <p:txBody>
+          <a:bodyPr wrap="square">
+            <a:spAutoFit/>
+          </a:bodyPr>
+          <a:lstStyle>
+            <a:lvl1pPr marL="0" indent="0" algn="l" defTabSz="914400" rtl="0" eaLnBrk="1" latinLnBrk="0" hangingPunct="1">
+              <a:lnSpc>
+                <a:spcPct val="100000"/>
+              </a:lnSpc>
+              <a:spcBef>
+                <a:spcPts val="0"/>
+              </a:spcBef>
+              <a:spcAft>
+                <a:spcPts val="600"/>
+              </a:spcAft>
+              <a:buFont typeface="Arial" panose="020B0604020202020204" pitchFamily="34" charset="0"/>
+              <a:buNone/>
+              <a:defRPr sz="1400" kern="1200">
+                <a:solidFill>
+                  <a:srgbClr val="222A3F"/>
+                </a:solidFill>
+                <a:latin typeface="Montserrat" panose="00000500000000000000" pitchFamily="2" charset="-52"/>
+                <a:ea typeface="+mn-ea"/>
+                <a:cs typeface="+mn-cs"/>
+              </a:defRPr>
+            </a:lvl1pPr>
+            <a:lvl2pPr marL="685800" indent="-228600" algn="l" defTabSz="914400" rtl="0" eaLnBrk="1" latinLnBrk="0" hangingPunct="1">
+              <a:lnSpc>
+                <a:spcPct val="90000"/>
+              </a:lnSpc>
+              <a:spcBef>
+                <a:spcPts val="500"/>
+              </a:spcBef>
+              <a:buFont typeface="Arial" panose="020B0604020202020204" pitchFamily="34" charset="0"/>
+              <a:buChar char="•"/>
+              <a:defRPr sz="2400" kern="1200">
+                <a:solidFill>
+                  <a:schemeClr val="tx1"/>
+                </a:solidFill>
+                <a:latin typeface="+mn-lt"/>
+                <a:ea typeface="+mn-ea"/>
+                <a:cs typeface="+mn-cs"/>
+              </a:defRPr>
+            </a:lvl2pPr>
+            <a:lvl3pPr marL="1143000" indent="-228600" algn="l" defTabSz="914400" rtl="0" eaLnBrk="1" latinLnBrk="0" hangingPunct="1">
+              <a:lnSpc>
+                <a:spcPct val="90000"/>
+              </a:lnSpc>
+              <a:spcBef>
+                <a:spcPts val="500"/>
+              </a:spcBef>
+              <a:buFont typeface="Arial" panose="020B0604020202020204" pitchFamily="34" charset="0"/>
+              <a:buChar char="•"/>
+              <a:defRPr sz="2000" kern="1200">
+                <a:solidFill>
+                  <a:schemeClr val="tx1"/>
+                </a:solidFill>
+                <a:latin typeface="+mn-lt"/>
+                <a:ea typeface="+mn-ea"/>
+                <a:cs typeface="+mn-cs"/>
+              </a:defRPr>
+            </a:lvl3pPr>
+            <a:lvl4pPr marL="1600200" indent="-228600" algn="l" defTabSz="914400" rtl="0" eaLnBrk="1" latinLnBrk="0" hangingPunct="1">
+              <a:lnSpc>
+                <a:spcPct val="90000"/>
+              </a:lnSpc>
+              <a:spcBef>
+                <a:spcPts val="500"/>
+              </a:spcBef>
+              <a:buFont typeface="Arial" panose="020B0604020202020204" pitchFamily="34" charset="0"/>
+              <a:buChar char="•"/>
+              <a:defRPr sz="1800" kern="1200">
+                <a:solidFill>
+                  <a:schemeClr val="tx1"/>
+                </a:solidFill>
+                <a:latin typeface="+mn-lt"/>
+                <a:ea typeface="+mn-ea"/>
+                <a:cs typeface="+mn-cs"/>
+              </a:defRPr>
+            </a:lvl4pPr>
+            <a:lvl5pPr marL="2057400" indent="-228600" algn="l" defTabSz="914400" rtl="0" eaLnBrk="1" latinLnBrk="0" hangingPunct="1">
+              <a:lnSpc>
+                <a:spcPct val="90000"/>
+              </a:lnSpc>
+              <a:spcBef>
+                <a:spcPts val="500"/>
+              </a:spcBef>
+              <a:buFont typeface="Arial" panose="020B0604020202020204" pitchFamily="34" charset="0"/>
+              <a:buChar char="•"/>
+              <a:defRPr sz="1800" kern="1200">
+                <a:solidFill>
+                  <a:schemeClr val="tx1"/>
+                </a:solidFill>
+                <a:latin typeface="+mn-lt"/>
+                <a:ea typeface="+mn-ea"/>
+                <a:cs typeface="+mn-cs"/>
+              </a:defRPr>
+            </a:lvl5pPr>
+            <a:lvl6pPr marL="2514600" indent="-228600" algn="l" defTabSz="914400" rtl="0" eaLnBrk="1" latinLnBrk="0" hangingPunct="1">
+              <a:lnSpc>
+                <a:spcPct val="90000"/>
+              </a:lnSpc>
+              <a:spcBef>
+                <a:spcPts val="500"/>
+              </a:spcBef>
+              <a:buFont typeface="Arial" panose="020B0604020202020204" pitchFamily="34" charset="0"/>
+              <a:buChar char="•"/>
+              <a:defRPr sz="1800" kern="1200">
+                <a:solidFill>
+                  <a:schemeClr val="tx1"/>
+                </a:solidFill>
+                <a:latin typeface="+mn-lt"/>
+                <a:ea typeface="+mn-ea"/>
+                <a:cs typeface="+mn-cs"/>
+              </a:defRPr>
+            </a:lvl6pPr>
+            <a:lvl7pPr marL="2971800" indent="-228600" algn="l" defTabSz="914400" rtl="0" eaLnBrk="1" latinLnBrk="0" hangingPunct="1">
+              <a:lnSpc>
+                <a:spcPct val="90000"/>
+              </a:lnSpc>
+              <a:spcBef>
+                <a:spcPts val="500"/>
+              </a:spcBef>
+              <a:buFont typeface="Arial" panose="020B0604020202020204" pitchFamily="34" charset="0"/>
+              <a:buChar char="•"/>
+              <a:defRPr sz="1800" kern="1200">
+                <a:solidFill>
+                  <a:schemeClr val="tx1"/>
+                </a:solidFill>
+                <a:latin typeface="+mn-lt"/>
+                <a:ea typeface="+mn-ea"/>
+                <a:cs typeface="+mn-cs"/>
+              </a:defRPr>
+            </a:lvl7pPr>
+            <a:lvl8pPr marL="3429000" indent="-228600" algn="l" defTabSz="914400" rtl="0" eaLnBrk="1" latinLnBrk="0" hangingPunct="1">
+              <a:lnSpc>
+                <a:spcPct val="90000"/>
+              </a:lnSpc>
+              <a:spcBef>
+                <a:spcPts val="500"/>
+              </a:spcBef>
+              <a:buFont typeface="Arial" panose="020B0604020202020204" pitchFamily="34" charset="0"/>
+              <a:buChar char="•"/>
+              <a:defRPr sz="1800" kern="1200">
+                <a:solidFill>
+                  <a:schemeClr val="tx1"/>
+                </a:solidFill>
+                <a:latin typeface="+mn-lt"/>
+                <a:ea typeface="+mn-ea"/>
+                <a:cs typeface="+mn-cs"/>
+              </a:defRPr>
+            </a:lvl8pPr>
+            <a:lvl9pPr marL="3886200" indent="-228600" algn="l" defTabSz="914400" rtl="0" eaLnBrk="1" latinLnBrk="0" hangingPunct="1">
+              <a:lnSpc>
+                <a:spcPct val="90000"/>
+              </a:lnSpc>
+              <a:spcBef>
+                <a:spcPts val="500"/>
+              </a:spcBef>
+              <a:buFont typeface="Arial" panose="020B0604020202020204" pitchFamily="34" charset="0"/>
+              <a:buChar char="•"/>
+              <a:defRPr sz="1800" kern="1200">
+                <a:solidFill>
+                  <a:schemeClr val="tx1"/>
+                </a:solidFill>
+                <a:latin typeface="+mn-lt"/>
+                <a:ea typeface="+mn-ea"/>
+                <a:cs typeface="+mn-cs"/>
+              </a:defRPr>
+            </a:lvl9pPr>
+          </a:lstStyle>
+          <a:p>
+            <a:pPr marL="285750" indent="-285750">
+              <a:buFont typeface="Arial" panose="020B0604020202020204" pitchFamily="34" charset="0"/>
+              <a:buChar char="•"/>
+            </a:pPr>
+            <a:r>
+              <a:rPr lang="ru-RU" sz="2200" dirty="0"/>
+              <a:t>Сервис для чата располагается по адресу</a:t>
+            </a:r>
+            <a:r>
+              <a:rPr lang="en-US" sz="2200" dirty="0"/>
+              <a:t> </a:t>
+            </a:r>
+            <a:r>
+              <a:rPr lang="en-US" sz="2200" dirty="0">
+                <a:hlinkClick r:id="rId2"/>
+              </a:rPr>
+              <a:t>http://127.0.0.1:8080/chat_api/chat/</a:t>
+            </a:r>
+            <a:endParaRPr lang="en-US" sz="2200" dirty="0"/>
+          </a:p>
+          <a:p>
+            <a:pPr marL="285750" indent="-285750">
+              <a:buFont typeface="Arial" panose="020B0604020202020204" pitchFamily="34" charset="0"/>
+              <a:buChar char="•"/>
+            </a:pPr>
+            <a:r>
+              <a:rPr lang="ru-RU" sz="2200" dirty="0"/>
+              <a:t>Приложение КПМТР </a:t>
+            </a:r>
+            <a:r>
+              <a:rPr lang="en-US" sz="2200" dirty="0">
+                <a:hlinkClick r:id="rId3"/>
+              </a:rPr>
+              <a:t>http://127.0.0.1:8000/mtr/</a:t>
+            </a:r>
+            <a:endParaRPr lang="en-US" sz="2200" dirty="0"/>
+          </a:p>
+        </p:txBody>
+      </p:sp>
+    </p:spTree>
+    <p:extLst>
+      <p:ext uri="{BB962C8B-B14F-4D97-AF65-F5344CB8AC3E}">
+        <p14:creationId xmlns:p14="http://schemas.microsoft.com/office/powerpoint/2010/main" val="2360450988"/>
+      </p:ext>
+    </p:extLst>
+  </p:cSld>
+  <p:clrMapOvr>
+    <a:masterClrMapping/>
+  </p:clrMapOvr>
+</p:sld>
+</file>
+
+<file path=ppt/slides/slide12.xml><?xml version="1.0" encoding="utf-8"?>
 <p:sld xmlns:a="http://schemas.openxmlformats.org/drawingml/2006/main" xmlns:r="http://schemas.openxmlformats.org/officeDocument/2006/relationships" xmlns:p="http://schemas.openxmlformats.org/presentationml/2006/main">
   <p:cSld>
     <p:spTree>
@@ -3566,7 +3961,7 @@
           <p:cNvPr id="5" name="Заголовок 4">
             <a:extLst>
               <a:ext uri="{FF2B5EF4-FFF2-40B4-BE49-F238E27FC236}">
-                <a16:creationId xmlns:a16="http://schemas.microsoft.com/office/drawing/2014/main" id="{57D5EACF-7929-4F98-921C-9DB62AA8286D}"/>
+                <a16:creationId xmlns:a16="http://schemas.microsoft.com/office/drawing/2014/main" id="{B1861F15-30B5-43FB-8280-2B736F0B7753}"/>
               </a:ext>
             </a:extLst>
           </p:cNvPr>
@@ -3577,14 +3972,19 @@
             <p:ph type="title"/>
           </p:nvPr>
         </p:nvSpPr>
-        <p:spPr/>
+        <p:spPr>
+          <a:xfrm>
+            <a:off x="559572" y="143658"/>
+            <a:ext cx="9173513" cy="954107"/>
+          </a:xfrm>
+        </p:spPr>
         <p:txBody>
           <a:bodyPr/>
           <a:lstStyle/>
           <a:p>
             <a:r>
               <a:rPr lang="ru-RU" dirty="0"/>
-              <a:t>Актуальность темы</a:t>
+              <a:t>Актуальность темы выпускной квалификационной работы</a:t>
             </a:r>
           </a:p>
         </p:txBody>
@@ -3594,7 +3994,7 @@
           <p:cNvPr id="7" name="Текст 6">
             <a:extLst>
               <a:ext uri="{FF2B5EF4-FFF2-40B4-BE49-F238E27FC236}">
-                <a16:creationId xmlns:a16="http://schemas.microsoft.com/office/drawing/2014/main" id="{C8CA3792-6E85-44BA-A22C-B6425433F451}"/>
+                <a16:creationId xmlns:a16="http://schemas.microsoft.com/office/drawing/2014/main" id="{8129B497-88BE-4E65-9BDB-49B9302BB366}"/>
               </a:ext>
             </a:extLst>
           </p:cNvPr>
@@ -3607,8 +4007,8 @@
         </p:nvSpPr>
         <p:spPr>
           <a:xfrm>
-            <a:off x="559572" y="1708390"/>
-            <a:ext cx="5975452" cy="2123658"/>
+            <a:off x="559572" y="1874728"/>
+            <a:ext cx="6435588" cy="1554272"/>
           </a:xfrm>
         </p:spPr>
         <p:txBody>
@@ -3620,63 +4020,42 @@
               <a:buChar char="•"/>
             </a:pPr>
             <a:r>
-              <a:rPr lang="ru-RU" sz="2200" dirty="0"/>
-              <a:t>Задача классификации материально-технических ресурсов является одной из самых важных и ответственных функций в обеспечении бесперебойной работы предприятий.</a:t>
+              <a:rPr lang="ru-RU" sz="1800" dirty="0"/>
+              <a:t>Уход иностранных </a:t>
+            </a:r>
+            <a:r>
+              <a:rPr lang="en-US" sz="1800" dirty="0"/>
+              <a:t>IT-</a:t>
+            </a:r>
+            <a:r>
+              <a:rPr lang="ru-RU" sz="1800" dirty="0"/>
+              <a:t>компаний с Российского рынка.</a:t>
+            </a:r>
+          </a:p>
+          <a:p>
+            <a:pPr marL="285750" indent="-285750">
+              <a:buFont typeface="Arial" panose="020B0604020202020204" pitchFamily="34" charset="0"/>
+              <a:buChar char="•"/>
+            </a:pPr>
+            <a:r>
+              <a:rPr lang="ru-RU" sz="1800" dirty="0"/>
+              <a:t>Текущий классификатор предприятия на предприятии ФГУП «Комбинат «</a:t>
+            </a:r>
+            <a:r>
+              <a:rPr lang="ru-RU" sz="1800" dirty="0" err="1"/>
+              <a:t>Электрохимприбор</a:t>
+            </a:r>
+            <a:r>
+              <a:rPr lang="ru-RU" sz="1800" dirty="0"/>
+              <a:t>» реализован с использованием проприетарных программных продуктов.</a:t>
             </a:r>
           </a:p>
         </p:txBody>
       </p:sp>
-      <p:pic>
-        <p:nvPicPr>
-          <p:cNvPr id="1028" name="Picture 4">
-            <a:extLst>
-              <a:ext uri="{FF2B5EF4-FFF2-40B4-BE49-F238E27FC236}">
-                <a16:creationId xmlns:a16="http://schemas.microsoft.com/office/drawing/2014/main" id="{2431D68C-3BD3-43F0-9801-E9641971901B}"/>
-              </a:ext>
-            </a:extLst>
-          </p:cNvPr>
-          <p:cNvPicPr>
-            <a:picLocks noChangeAspect="1" noChangeArrowheads="1"/>
-          </p:cNvPicPr>
-          <p:nvPr/>
-        </p:nvPicPr>
-        <p:blipFill>
-          <a:blip r:embed="rId2" cstate="print">
-            <a:extLst>
-              <a:ext uri="{28A0092B-C50C-407E-A947-70E740481C1C}">
-                <a14:useLocalDpi xmlns:a14="http://schemas.microsoft.com/office/drawing/2010/main" val="0"/>
-              </a:ext>
-            </a:extLst>
-          </a:blip>
-          <a:srcRect/>
-          <a:stretch>
-            <a:fillRect/>
-          </a:stretch>
-        </p:blipFill>
-        <p:spPr bwMode="auto">
-          <a:xfrm>
-            <a:off x="7319046" y="2215861"/>
-            <a:ext cx="4313382" cy="2426277"/>
-          </a:xfrm>
-          <a:prstGeom prst="rect">
-            <a:avLst/>
-          </a:prstGeom>
-          <a:noFill/>
-          <a:extLst>
-            <a:ext uri="{909E8E84-426E-40DD-AFC4-6F175D3DCCD1}">
-              <a14:hiddenFill xmlns:a14="http://schemas.microsoft.com/office/drawing/2010/main">
-                <a:solidFill>
-                  <a:srgbClr val="FFFFFF"/>
-                </a:solidFill>
-              </a14:hiddenFill>
-            </a:ext>
-          </a:extLst>
-        </p:spPr>
-      </p:pic>
     </p:spTree>
     <p:extLst>
       <p:ext uri="{BB962C8B-B14F-4D97-AF65-F5344CB8AC3E}">
-        <p14:creationId xmlns:p14="http://schemas.microsoft.com/office/powerpoint/2010/main" val="2283851679"/>
+        <p14:creationId xmlns:p14="http://schemas.microsoft.com/office/powerpoint/2010/main" val="4133433759"/>
       </p:ext>
     </p:extLst>
   </p:cSld>
@@ -3708,7 +4087,7 @@
           <p:cNvPr id="5" name="Заголовок 4">
             <a:extLst>
               <a:ext uri="{FF2B5EF4-FFF2-40B4-BE49-F238E27FC236}">
-                <a16:creationId xmlns:a16="http://schemas.microsoft.com/office/drawing/2014/main" id="{94F3E63E-279A-47BF-9880-4C2350165DA4}"/>
+                <a16:creationId xmlns:a16="http://schemas.microsoft.com/office/drawing/2014/main" id="{0ABD85AE-19FD-4F05-86A9-3CE1D455853A}"/>
               </a:ext>
             </a:extLst>
           </p:cNvPr>
@@ -3726,7 +4105,7 @@
           <a:p>
             <a:r>
               <a:rPr lang="ru-RU" dirty="0"/>
-              <a:t>Объект и предмет исследования</a:t>
+              <a:t>Цель работы</a:t>
             </a:r>
           </a:p>
         </p:txBody>
@@ -3736,7 +4115,7 @@
           <p:cNvPr id="7" name="Текст 6">
             <a:extLst>
               <a:ext uri="{FF2B5EF4-FFF2-40B4-BE49-F238E27FC236}">
-                <a16:creationId xmlns:a16="http://schemas.microsoft.com/office/drawing/2014/main" id="{4CF8BA46-7431-422A-884F-1B26F375266F}"/>
+                <a16:creationId xmlns:a16="http://schemas.microsoft.com/office/drawing/2014/main" id="{E432055A-26C6-49FD-9AB8-310606F126D1}"/>
               </a:ext>
             </a:extLst>
           </p:cNvPr>
@@ -3749,86 +4128,112 @@
         </p:nvSpPr>
         <p:spPr>
           <a:xfrm>
-            <a:off x="559572" y="1536174"/>
-            <a:ext cx="6615928" cy="2754600"/>
+            <a:off x="1028495" y="1574474"/>
+            <a:ext cx="7263628" cy="4924425"/>
           </a:xfrm>
         </p:spPr>
         <p:txBody>
           <a:bodyPr/>
           <a:lstStyle/>
           <a:p>
-            <a:pPr marL="457200" indent="-457200">
+            <a:r>
+              <a:rPr lang="ru-RU" sz="2000" dirty="0"/>
+              <a:t>Разработать  информационную систему со следующим функционалом</a:t>
+            </a:r>
+            <a:r>
+              <a:rPr lang="en-US" sz="2000" dirty="0"/>
+              <a:t>:</a:t>
+            </a:r>
+          </a:p>
+          <a:p>
+            <a:pPr marL="285750" lvl="0" indent="-285750">
               <a:buFont typeface="Arial" panose="020B0604020202020204" pitchFamily="34" charset="0"/>
               <a:buChar char="•"/>
             </a:pPr>
             <a:r>
-              <a:rPr lang="ru-RU" sz="2800" dirty="0"/>
-              <a:t>Объектом исследования является функционирование больницы.</a:t>
-            </a:r>
-          </a:p>
-          <a:p>
-            <a:pPr marL="457200" indent="-457200">
+              <a:rPr lang="ru-RU" sz="2000" dirty="0"/>
+              <a:t>Заведение заявок на новый код МТР;</a:t>
+            </a:r>
+          </a:p>
+          <a:p>
+            <a:pPr marL="285750" lvl="0" indent="-285750">
               <a:buFont typeface="Arial" panose="020B0604020202020204" pitchFamily="34" charset="0"/>
               <a:buChar char="•"/>
             </a:pPr>
             <a:r>
-              <a:rPr lang="ru-RU" sz="2800" dirty="0"/>
-              <a:t>Предмет исследования – процесс записи на прием к врачу</a:t>
-            </a:r>
+              <a:rPr lang="ru-RU" sz="2000" dirty="0"/>
+              <a:t>Заведение заявок на условный код МТР;</a:t>
+            </a:r>
+          </a:p>
+          <a:p>
+            <a:pPr marL="285750" lvl="0" indent="-285750">
+              <a:buFont typeface="Arial" panose="020B0604020202020204" pitchFamily="34" charset="0"/>
+              <a:buChar char="•"/>
+            </a:pPr>
+            <a:r>
+              <a:rPr lang="ru-RU" sz="2000" dirty="0"/>
+              <a:t>Заведение заявки на изменение текущего кода МТР;</a:t>
+            </a:r>
+          </a:p>
+          <a:p>
+            <a:pPr marL="285750" lvl="0" indent="-285750">
+              <a:buFont typeface="Arial" panose="020B0604020202020204" pitchFamily="34" charset="0"/>
+              <a:buChar char="•"/>
+            </a:pPr>
+            <a:r>
+              <a:rPr lang="ru-RU" sz="2000" dirty="0"/>
+              <a:t>Согласование заявок</a:t>
+            </a:r>
+            <a:r>
+              <a:rPr lang="en-US" sz="2000" dirty="0"/>
+              <a:t>;</a:t>
+            </a:r>
+            <a:endParaRPr lang="ru-RU" sz="2000" dirty="0"/>
+          </a:p>
+          <a:p>
+            <a:pPr marL="285750" lvl="0" indent="-285750">
+              <a:buFont typeface="Arial" panose="020B0604020202020204" pitchFamily="34" charset="0"/>
+              <a:buChar char="•"/>
+            </a:pPr>
+            <a:r>
+              <a:rPr lang="ru-RU" sz="2000" dirty="0"/>
+              <a:t>Возможность ведения переписки во время согласования кода МТР;</a:t>
+            </a:r>
+          </a:p>
+          <a:p>
+            <a:pPr marL="285750" lvl="0" indent="-285750">
+              <a:buFont typeface="Arial" panose="020B0604020202020204" pitchFamily="34" charset="0"/>
+              <a:buChar char="•"/>
+            </a:pPr>
+            <a:r>
+              <a:rPr lang="ru-RU" sz="2000" dirty="0"/>
+              <a:t>Просмотр кодов МТР</a:t>
+            </a:r>
+            <a:r>
+              <a:rPr lang="en-US" sz="2000" dirty="0"/>
+              <a:t>;</a:t>
+            </a:r>
+            <a:endParaRPr lang="ru-RU" sz="2000" dirty="0"/>
+          </a:p>
+          <a:p>
+            <a:pPr marL="285750" indent="-285750">
+              <a:buFont typeface="Arial" panose="020B0604020202020204" pitchFamily="34" charset="0"/>
+              <a:buChar char="•"/>
+            </a:pPr>
+            <a:r>
+              <a:rPr lang="ru-RU" sz="2000" dirty="0"/>
+              <a:t>Заведение, редактирование цены кода МТР. Заведение дополнительных полей для ревизии кода МТР</a:t>
+            </a:r>
+          </a:p>
+          <a:p>
+            <a:endParaRPr lang="ru-RU" dirty="0"/>
           </a:p>
         </p:txBody>
       </p:sp>
-      <p:pic>
-        <p:nvPicPr>
-          <p:cNvPr id="5122" name="Picture 2" descr="Бесплатное векторное изображение Иллюстрация вектора абстрактной концепции инициативы данных. открытая платформа, информационная инициатива, исследование метаданных, запуск на основе данных, исследования и разработки, абстрактная метафора политики конфиденциальности.">
-            <a:extLst>
-              <a:ext uri="{FF2B5EF4-FFF2-40B4-BE49-F238E27FC236}">
-                <a16:creationId xmlns:a16="http://schemas.microsoft.com/office/drawing/2014/main" id="{8248ED24-B8D1-4287-B219-9798AE176E96}"/>
-              </a:ext>
-            </a:extLst>
-          </p:cNvPr>
-          <p:cNvPicPr>
-            <a:picLocks noChangeAspect="1" noChangeArrowheads="1"/>
-          </p:cNvPicPr>
-          <p:nvPr/>
-        </p:nvPicPr>
-        <p:blipFill>
-          <a:blip r:embed="rId2">
-            <a:extLst>
-              <a:ext uri="{28A0092B-C50C-407E-A947-70E740481C1C}">
-                <a14:useLocalDpi xmlns:a14="http://schemas.microsoft.com/office/drawing/2010/main" val="0"/>
-              </a:ext>
-            </a:extLst>
-          </a:blip>
-          <a:srcRect/>
-          <a:stretch>
-            <a:fillRect/>
-          </a:stretch>
-        </p:blipFill>
-        <p:spPr bwMode="auto">
-          <a:xfrm>
-            <a:off x="7175500" y="1741249"/>
-            <a:ext cx="3921125" cy="3921125"/>
-          </a:xfrm>
-          <a:prstGeom prst="rect">
-            <a:avLst/>
-          </a:prstGeom>
-          <a:noFill/>
-          <a:extLst>
-            <a:ext uri="{909E8E84-426E-40DD-AFC4-6F175D3DCCD1}">
-              <a14:hiddenFill xmlns:a14="http://schemas.microsoft.com/office/drawing/2010/main">
-                <a:solidFill>
-                  <a:srgbClr val="FFFFFF"/>
-                </a:solidFill>
-              </a14:hiddenFill>
-            </a:ext>
-          </a:extLst>
-        </p:spPr>
-      </p:pic>
     </p:spTree>
     <p:extLst>
       <p:ext uri="{BB962C8B-B14F-4D97-AF65-F5344CB8AC3E}">
-        <p14:creationId xmlns:p14="http://schemas.microsoft.com/office/powerpoint/2010/main" val="3098251211"/>
+        <p14:creationId xmlns:p14="http://schemas.microsoft.com/office/powerpoint/2010/main" val="1887293751"/>
       </p:ext>
     </p:extLst>
   </p:cSld>
@@ -3857,10 +4262,10 @@
       </p:grpSpPr>
       <p:sp>
         <p:nvSpPr>
-          <p:cNvPr id="2" name="Заголовок 1">
+          <p:cNvPr id="5" name="Заголовок 4">
             <a:extLst>
               <a:ext uri="{FF2B5EF4-FFF2-40B4-BE49-F238E27FC236}">
-                <a16:creationId xmlns:a16="http://schemas.microsoft.com/office/drawing/2014/main" id="{9DD3F7A9-2C15-4655-BF82-91348F2FC8A3}"/>
+                <a16:creationId xmlns:a16="http://schemas.microsoft.com/office/drawing/2014/main" id="{0ABD85AE-19FD-4F05-86A9-3CE1D455853A}"/>
               </a:ext>
             </a:extLst>
           </p:cNvPr>
@@ -3878,17 +4283,17 @@
           <a:p>
             <a:r>
               <a:rPr lang="ru-RU" dirty="0"/>
-              <a:t>Цель и задачи курсовой работы	</a:t>
+              <a:t>Задачи</a:t>
             </a:r>
           </a:p>
         </p:txBody>
       </p:sp>
       <p:sp>
         <p:nvSpPr>
-          <p:cNvPr id="4" name="Текст 3">
+          <p:cNvPr id="7" name="Текст 6">
             <a:extLst>
               <a:ext uri="{FF2B5EF4-FFF2-40B4-BE49-F238E27FC236}">
-                <a16:creationId xmlns:a16="http://schemas.microsoft.com/office/drawing/2014/main" id="{7B05226D-8C31-4D22-89D0-1F4DF20497D6}"/>
+                <a16:creationId xmlns:a16="http://schemas.microsoft.com/office/drawing/2014/main" id="{E432055A-26C6-49FD-9AB8-310606F126D1}"/>
               </a:ext>
             </a:extLst>
           </p:cNvPr>
@@ -3901,49 +4306,21 @@
         </p:nvSpPr>
         <p:spPr>
           <a:xfrm>
-            <a:off x="787400" y="1301671"/>
-            <a:ext cx="6896100" cy="5647700"/>
+            <a:off x="559572" y="1525894"/>
+            <a:ext cx="6747813" cy="4601260"/>
           </a:xfrm>
         </p:spPr>
         <p:txBody>
           <a:bodyPr/>
           <a:lstStyle/>
           <a:p>
-            <a:r>
-              <a:rPr lang="ru-RU" sz="2400" dirty="0"/>
-              <a:t>Цель курсовой работы - разработка </a:t>
-            </a:r>
-            <a:r>
-              <a:rPr lang="en-US" sz="2400" dirty="0"/>
-              <a:t>RESTful</a:t>
-            </a:r>
-            <a:r>
-              <a:rPr lang="ru-RU" sz="2400" dirty="0"/>
-              <a:t> сервиса для записи к врачу.</a:t>
-            </a:r>
-          </a:p>
-          <a:p>
-            <a:r>
-              <a:rPr lang="ru-RU" sz="2400" dirty="0"/>
-              <a:t>Определены следующие задачи</a:t>
-            </a:r>
-            <a:r>
-              <a:rPr lang="en-US" sz="2400" dirty="0"/>
-              <a:t>:</a:t>
-            </a:r>
-          </a:p>
-          <a:p>
             <a:pPr marL="285750" lvl="0" indent="-285750">
               <a:buFont typeface="Arial" panose="020B0604020202020204" pitchFamily="34" charset="0"/>
               <a:buChar char="•"/>
             </a:pPr>
             <a:r>
-              <a:rPr lang="ru-RU" sz="1500" dirty="0">
-                <a:solidFill>
-                  <a:schemeClr val="tx1"/>
-                </a:solidFill>
-              </a:rPr>
-              <a:t>Проанализировать предметную область.</a:t>
+              <a:rPr lang="ru-RU" sz="1800" dirty="0"/>
+              <a:t>Определение терминов. Анализ предметной области</a:t>
             </a:r>
           </a:p>
           <a:p>
@@ -3952,60 +4329,8 @@
               <a:buChar char="•"/>
             </a:pPr>
             <a:r>
-              <a:rPr lang="ru-RU" sz="1500" dirty="0">
-                <a:solidFill>
-                  <a:schemeClr val="tx1"/>
-                </a:solidFill>
-              </a:rPr>
-              <a:t>Изучить понятия, связанные с реализацией </a:t>
-            </a:r>
-            <a:r>
-              <a:rPr lang="en-US" sz="1500" dirty="0">
-                <a:solidFill>
-                  <a:schemeClr val="tx1"/>
-                </a:solidFill>
-              </a:rPr>
-              <a:t>RESTful</a:t>
-            </a:r>
-            <a:r>
-              <a:rPr lang="ru-RU" sz="1500" dirty="0">
-                <a:solidFill>
-                  <a:schemeClr val="tx1"/>
-                </a:solidFill>
-              </a:rPr>
-              <a:t> сервиса (</a:t>
-            </a:r>
-            <a:r>
-              <a:rPr lang="en-US" sz="1500" dirty="0">
-                <a:solidFill>
-                  <a:schemeClr val="tx1"/>
-                </a:solidFill>
-              </a:rPr>
-              <a:t>HTTP</a:t>
-            </a:r>
-            <a:r>
-              <a:rPr lang="ru-RU" sz="1500" dirty="0">
-                <a:solidFill>
-                  <a:schemeClr val="tx1"/>
-                </a:solidFill>
-              </a:rPr>
-              <a:t>, </a:t>
-            </a:r>
-            <a:r>
-              <a:rPr lang="en-US" sz="1500" dirty="0">
-                <a:solidFill>
-                  <a:schemeClr val="tx1"/>
-                </a:solidFill>
-              </a:rPr>
-              <a:t>API</a:t>
-            </a:r>
-            <a:r>
-              <a:rPr lang="ru-RU" sz="1500" dirty="0">
-                <a:solidFill>
-                  <a:schemeClr val="tx1"/>
-                </a:solidFill>
-              </a:rPr>
-              <a:t>).</a:t>
+              <a:rPr lang="ru-RU" sz="1800" dirty="0"/>
+              <a:t>Изучение существующей на предприятии информационной системы для дальнейшей интеграции</a:t>
             </a:r>
           </a:p>
           <a:p>
@@ -4014,28 +4339,8 @@
               <a:buChar char="•"/>
             </a:pPr>
             <a:r>
-              <a:rPr lang="ru-RU" sz="1500" dirty="0">
-                <a:solidFill>
-                  <a:schemeClr val="tx1"/>
-                </a:solidFill>
-              </a:rPr>
-              <a:t>Рассмотреть и выбрать способ проектирования </a:t>
-            </a:r>
-            <a:r>
-              <a:rPr lang="en-US" sz="1500" dirty="0">
-                <a:solidFill>
-                  <a:schemeClr val="tx1"/>
-                </a:solidFill>
-              </a:rPr>
-              <a:t>RESTful</a:t>
-            </a:r>
-            <a:r>
-              <a:rPr lang="ru-RU" sz="1500" dirty="0">
-                <a:solidFill>
-                  <a:schemeClr val="tx1"/>
-                </a:solidFill>
-              </a:rPr>
-              <a:t> сервиса.</a:t>
+              <a:rPr lang="ru-RU" sz="1800" dirty="0"/>
+              <a:t>Составление моделей бизнес-процесса</a:t>
             </a:r>
           </a:p>
           <a:p>
@@ -4044,28 +4349,8 @@
               <a:buChar char="•"/>
             </a:pPr>
             <a:r>
-              <a:rPr lang="ru-RU" sz="1500" dirty="0">
-                <a:solidFill>
-                  <a:schemeClr val="tx1"/>
-                </a:solidFill>
-              </a:rPr>
-              <a:t>Выделить открытые ресурсы </a:t>
-            </a:r>
-            <a:r>
-              <a:rPr lang="en-US" sz="1500" dirty="0">
-                <a:solidFill>
-                  <a:schemeClr val="tx1"/>
-                </a:solidFill>
-              </a:rPr>
-              <a:t>RESTful </a:t>
-            </a:r>
-            <a:r>
-              <a:rPr lang="ru-RU" sz="1500" dirty="0">
-                <a:solidFill>
-                  <a:schemeClr val="tx1"/>
-                </a:solidFill>
-              </a:rPr>
-              <a:t>сервиса.</a:t>
+              <a:rPr lang="ru-RU" sz="1800" dirty="0"/>
+              <a:t>Проектирование базы данных</a:t>
             </a:r>
           </a:p>
           <a:p>
@@ -4074,76 +4359,8 @@
               <a:buChar char="•"/>
             </a:pPr>
             <a:r>
-              <a:rPr lang="ru-RU" sz="1500" dirty="0">
-                <a:solidFill>
-                  <a:schemeClr val="tx1"/>
-                </a:solidFill>
-              </a:rPr>
-              <a:t>Рассмотреть основные понятия </a:t>
-            </a:r>
-            <a:r>
-              <a:rPr lang="en-US" sz="1500" dirty="0">
-                <a:solidFill>
-                  <a:schemeClr val="tx1"/>
-                </a:solidFill>
-              </a:rPr>
-              <a:t>Django</a:t>
-            </a:r>
-            <a:r>
-              <a:rPr lang="ru-RU" sz="1500" dirty="0">
-                <a:solidFill>
-                  <a:schemeClr val="tx1"/>
-                </a:solidFill>
-              </a:rPr>
-              <a:t> и </a:t>
-            </a:r>
-            <a:r>
-              <a:rPr lang="en-US" sz="1500" dirty="0" err="1">
-                <a:solidFill>
-                  <a:schemeClr val="tx1"/>
-                </a:solidFill>
-              </a:rPr>
-              <a:t>django</a:t>
-            </a:r>
-            <a:r>
-              <a:rPr lang="ru-RU" sz="1500" dirty="0">
-                <a:solidFill>
-                  <a:schemeClr val="tx1"/>
-                </a:solidFill>
-              </a:rPr>
-              <a:t>-</a:t>
-            </a:r>
-            <a:r>
-              <a:rPr lang="en-US" sz="1500" dirty="0">
-                <a:solidFill>
-                  <a:schemeClr val="tx1"/>
-                </a:solidFill>
-              </a:rPr>
-              <a:t>rest</a:t>
-            </a:r>
-            <a:r>
-              <a:rPr lang="ru-RU" sz="1500" dirty="0">
-                <a:solidFill>
-                  <a:schemeClr val="tx1"/>
-                </a:solidFill>
-              </a:rPr>
-              <a:t>-</a:t>
-            </a:r>
-            <a:r>
-              <a:rPr lang="en-US" sz="1500" dirty="0">
-                <a:solidFill>
-                  <a:schemeClr val="tx1"/>
-                </a:solidFill>
-              </a:rPr>
-              <a:t>framework</a:t>
-            </a:r>
-            <a:r>
-              <a:rPr lang="ru-RU" sz="1500" dirty="0">
-                <a:solidFill>
-                  <a:schemeClr val="tx1"/>
-                </a:solidFill>
-              </a:rPr>
-              <a:t>.</a:t>
+              <a:rPr lang="ru-RU" sz="1800" dirty="0"/>
+              <a:t>Разработка серверной части приложения</a:t>
             </a:r>
           </a:p>
           <a:p>
@@ -4152,12 +4369,8 @@
               <a:buChar char="•"/>
             </a:pPr>
             <a:r>
-              <a:rPr lang="ru-RU" sz="1500" dirty="0">
-                <a:solidFill>
-                  <a:schemeClr val="tx1"/>
-                </a:solidFill>
-              </a:rPr>
-              <a:t>Спроектировать и разработать базу данных.</a:t>
+              <a:rPr lang="ru-RU" sz="1800" dirty="0"/>
+              <a:t>Разработка клиентской части приложения</a:t>
             </a:r>
           </a:p>
           <a:p>
@@ -4166,76 +4379,8 @@
               <a:buChar char="•"/>
             </a:pPr>
             <a:r>
-              <a:rPr lang="ru-RU" sz="1500" dirty="0">
-                <a:solidFill>
-                  <a:schemeClr val="tx1"/>
-                </a:solidFill>
-              </a:rPr>
-              <a:t>Разработать </a:t>
-            </a:r>
-            <a:r>
-              <a:rPr lang="en-US" sz="1500" dirty="0">
-                <a:solidFill>
-                  <a:schemeClr val="tx1"/>
-                </a:solidFill>
-              </a:rPr>
-              <a:t>RESTful</a:t>
-            </a:r>
-            <a:r>
-              <a:rPr lang="ru-RU" sz="1500" dirty="0">
-                <a:solidFill>
-                  <a:schemeClr val="tx1"/>
-                </a:solidFill>
-              </a:rPr>
-              <a:t> сервис с использованием </a:t>
-            </a:r>
-            <a:r>
-              <a:rPr lang="en-US" sz="1500" dirty="0" err="1">
-                <a:solidFill>
-                  <a:schemeClr val="tx1"/>
-                </a:solidFill>
-              </a:rPr>
-              <a:t>django</a:t>
-            </a:r>
-            <a:r>
-              <a:rPr lang="ru-RU" sz="1500" dirty="0">
-                <a:solidFill>
-                  <a:schemeClr val="tx1"/>
-                </a:solidFill>
-              </a:rPr>
-              <a:t>-</a:t>
-            </a:r>
-            <a:r>
-              <a:rPr lang="en-US" sz="1500" dirty="0">
-                <a:solidFill>
-                  <a:schemeClr val="tx1"/>
-                </a:solidFill>
-              </a:rPr>
-              <a:t>rest</a:t>
-            </a:r>
-            <a:r>
-              <a:rPr lang="ru-RU" sz="1500" dirty="0">
-                <a:solidFill>
-                  <a:schemeClr val="tx1"/>
-                </a:solidFill>
-              </a:rPr>
-              <a:t>-</a:t>
-            </a:r>
-            <a:r>
-              <a:rPr lang="en-US" sz="1500" dirty="0">
-                <a:solidFill>
-                  <a:schemeClr val="tx1"/>
-                </a:solidFill>
-              </a:rPr>
-              <a:t>framework</a:t>
-            </a:r>
-            <a:r>
-              <a:rPr lang="ru-RU" sz="1500" dirty="0">
-                <a:solidFill>
-                  <a:schemeClr val="tx1"/>
-                </a:solidFill>
-              </a:rPr>
-              <a:t>.</a:t>
+              <a:rPr lang="ru-RU" sz="1800" dirty="0"/>
+              <a:t>Реализация веб-сервиса</a:t>
             </a:r>
           </a:p>
           <a:p>
@@ -4244,28 +4389,8 @@
               <a:buChar char="•"/>
             </a:pPr>
             <a:r>
-              <a:rPr lang="ru-RU" sz="1500" dirty="0">
-                <a:solidFill>
-                  <a:schemeClr val="tx1"/>
-                </a:solidFill>
-              </a:rPr>
-              <a:t>Протестировать </a:t>
-            </a:r>
-            <a:r>
-              <a:rPr lang="en-US" sz="1500" dirty="0">
-                <a:solidFill>
-                  <a:schemeClr val="tx1"/>
-                </a:solidFill>
-              </a:rPr>
-              <a:t>RESTful</a:t>
-            </a:r>
-            <a:r>
-              <a:rPr lang="ru-RU" sz="1500" dirty="0">
-                <a:solidFill>
-                  <a:schemeClr val="tx1"/>
-                </a:solidFill>
-              </a:rPr>
-              <a:t> сервис.</a:t>
+              <a:rPr lang="ru-RU" sz="1800" dirty="0"/>
+              <a:t>Тестирование программного продукта</a:t>
             </a:r>
           </a:p>
           <a:p>
@@ -4274,86 +4399,27 @@
               <a:buChar char="•"/>
             </a:pPr>
             <a:r>
-              <a:rPr lang="ru-RU" sz="1500" dirty="0">
-                <a:solidFill>
-                  <a:schemeClr val="tx1"/>
-                </a:solidFill>
-              </a:rPr>
-              <a:t>Создать шаблоны, которые используют функционал </a:t>
-            </a:r>
-            <a:r>
-              <a:rPr lang="en-US" sz="1500" dirty="0">
-                <a:solidFill>
-                  <a:schemeClr val="tx1"/>
-                </a:solidFill>
-              </a:rPr>
-              <a:t>RESTful </a:t>
-            </a:r>
-            <a:r>
-              <a:rPr lang="ru-RU" sz="1500" dirty="0">
-                <a:solidFill>
-                  <a:schemeClr val="tx1"/>
-                </a:solidFill>
-              </a:rPr>
-              <a:t>сервиса.</a:t>
-            </a:r>
-          </a:p>
-          <a:p>
-            <a:endParaRPr lang="ru-RU" sz="2400" dirty="0"/>
+              <a:rPr lang="ru-RU" sz="1800" dirty="0"/>
+              <a:t>Проведение анализа эффекта от внедрения разработки на </a:t>
+            </a:r>
+            <a:r>
+              <a:rPr lang="ru-RU" sz="1800" dirty="0" err="1"/>
+              <a:t>импортонезависимой</a:t>
+            </a:r>
+            <a:r>
+              <a:rPr lang="ru-RU" sz="1800" dirty="0"/>
+              <a:t> платформе</a:t>
+            </a:r>
+          </a:p>
+          <a:p>
+            <a:endParaRPr lang="ru-RU" dirty="0"/>
           </a:p>
         </p:txBody>
       </p:sp>
-      <p:pic>
-        <p:nvPicPr>
-          <p:cNvPr id="1026" name="Picture 2" descr="Бесплатное векторное изображение Скрипт нестандартного стиля. оптимизация веб-сайтов, верстка, разработка программного обеспечения. женский программист мультипликационный персонаж работает, добавляя javascript, код css.">
-            <a:extLst>
-              <a:ext uri="{FF2B5EF4-FFF2-40B4-BE49-F238E27FC236}">
-                <a16:creationId xmlns:a16="http://schemas.microsoft.com/office/drawing/2014/main" id="{773E9D85-C852-4A39-A454-5A628F337E4D}"/>
-              </a:ext>
-            </a:extLst>
-          </p:cNvPr>
-          <p:cNvPicPr>
-            <a:picLocks noChangeAspect="1" noChangeArrowheads="1"/>
-          </p:cNvPicPr>
-          <p:nvPr/>
-        </p:nvPicPr>
-        <p:blipFill>
-          <a:blip r:embed="rId2">
-            <a:extLst>
-              <a:ext uri="{28A0092B-C50C-407E-A947-70E740481C1C}">
-                <a14:useLocalDpi xmlns:a14="http://schemas.microsoft.com/office/drawing/2010/main" val="0"/>
-              </a:ext>
-            </a:extLst>
-          </a:blip>
-          <a:srcRect/>
-          <a:stretch>
-            <a:fillRect/>
-          </a:stretch>
-        </p:blipFill>
-        <p:spPr bwMode="auto">
-          <a:xfrm>
-            <a:off x="7419975" y="1898571"/>
-            <a:ext cx="3984625" cy="3984625"/>
-          </a:xfrm>
-          <a:prstGeom prst="rect">
-            <a:avLst/>
-          </a:prstGeom>
-          <a:noFill/>
-          <a:extLst>
-            <a:ext uri="{909E8E84-426E-40DD-AFC4-6F175D3DCCD1}">
-              <a14:hiddenFill xmlns:a14="http://schemas.microsoft.com/office/drawing/2010/main">
-                <a:solidFill>
-                  <a:srgbClr val="FFFFFF"/>
-                </a:solidFill>
-              </a14:hiddenFill>
-            </a:ext>
-          </a:extLst>
-        </p:spPr>
-      </p:pic>
     </p:spTree>
     <p:extLst>
       <p:ext uri="{BB962C8B-B14F-4D97-AF65-F5344CB8AC3E}">
-        <p14:creationId xmlns:p14="http://schemas.microsoft.com/office/powerpoint/2010/main" val="646620214"/>
+        <p14:creationId xmlns:p14="http://schemas.microsoft.com/office/powerpoint/2010/main" val="3346112828"/>
       </p:ext>
     </p:extLst>
   </p:cSld>
@@ -4385,7 +4451,7 @@
           <p:cNvPr id="2" name="Заголовок 1">
             <a:extLst>
               <a:ext uri="{FF2B5EF4-FFF2-40B4-BE49-F238E27FC236}">
-                <a16:creationId xmlns:a16="http://schemas.microsoft.com/office/drawing/2014/main" id="{B75D9DD4-4C39-49F3-8970-632A89B19E7E}"/>
+                <a16:creationId xmlns:a16="http://schemas.microsoft.com/office/drawing/2014/main" id="{DEDAD521-4381-4A42-A87A-6883035F4FB4}"/>
               </a:ext>
             </a:extLst>
           </p:cNvPr>
@@ -4396,27 +4462,47 @@
             <p:ph type="title"/>
           </p:nvPr>
         </p:nvSpPr>
-        <p:spPr>
-          <a:xfrm>
-            <a:off x="559572" y="143658"/>
-            <a:ext cx="9460049" cy="954107"/>
-          </a:xfrm>
-        </p:spPr>
+        <p:spPr/>
         <p:txBody>
           <a:bodyPr/>
           <a:lstStyle/>
           <a:p>
             <a:r>
               <a:rPr lang="ru-RU" dirty="0"/>
-              <a:t>Инструменты для реализации </a:t>
-            </a:r>
-            <a:r>
-              <a:rPr lang="en-US" dirty="0"/>
-              <a:t>RESTful</a:t>
-            </a:r>
-            <a:r>
-              <a:rPr lang="ru-RU" dirty="0"/>
-              <a:t> сервиса</a:t>
+              <a:t>Объект и предмет исследования</a:t>
+            </a:r>
+          </a:p>
+        </p:txBody>
+      </p:sp>
+      <p:sp>
+        <p:nvSpPr>
+          <p:cNvPr id="3" name="Текст 2">
+            <a:extLst>
+              <a:ext uri="{FF2B5EF4-FFF2-40B4-BE49-F238E27FC236}">
+                <a16:creationId xmlns:a16="http://schemas.microsoft.com/office/drawing/2014/main" id="{9BF4C3FE-62FB-4912-AA1E-1CEE618E659B}"/>
+              </a:ext>
+            </a:extLst>
+          </p:cNvPr>
+          <p:cNvSpPr>
+            <a:spLocks noGrp="1"/>
+          </p:cNvSpPr>
+          <p:nvPr>
+            <p:ph type="body" sz="quarter" idx="10"/>
+          </p:nvPr>
+        </p:nvSpPr>
+        <p:spPr>
+          <a:xfrm>
+            <a:off x="673872" y="1802010"/>
+            <a:ext cx="3395208" cy="400110"/>
+          </a:xfrm>
+        </p:spPr>
+        <p:txBody>
+          <a:bodyPr/>
+          <a:lstStyle/>
+          <a:p>
+            <a:r>
+              <a:rPr lang="ru-RU" sz="2000" dirty="0"/>
+              <a:t>Объект исследования</a:t>
             </a:r>
           </a:p>
         </p:txBody>
@@ -4426,7 +4512,7 @@
           <p:cNvPr id="4" name="Текст 3">
             <a:extLst>
               <a:ext uri="{FF2B5EF4-FFF2-40B4-BE49-F238E27FC236}">
-                <a16:creationId xmlns:a16="http://schemas.microsoft.com/office/drawing/2014/main" id="{0C3C917E-9AA3-4D0B-AD73-21E38E873777}"/>
+                <a16:creationId xmlns:a16="http://schemas.microsoft.com/office/drawing/2014/main" id="{971DB841-DD52-4295-8CC4-123DD51A5322}"/>
               </a:ext>
             </a:extLst>
           </p:cNvPr>
@@ -4439,8 +4525,8 @@
         </p:nvSpPr>
         <p:spPr>
           <a:xfrm>
-            <a:off x="559572" y="1608934"/>
-            <a:ext cx="6298428" cy="4632037"/>
+            <a:off x="673872" y="2202120"/>
+            <a:ext cx="6344148" cy="923330"/>
           </a:xfrm>
         </p:spPr>
         <p:txBody>
@@ -4448,138 +4534,26 @@
           <a:lstStyle/>
           <a:p>
             <a:r>
-              <a:rPr lang="ru-RU" sz="2000" dirty="0"/>
-              <a:t>Были выбраны следующие технологии</a:t>
-            </a:r>
-            <a:r>
-              <a:rPr lang="en-US" sz="2000" dirty="0"/>
-              <a:t>:</a:t>
-            </a:r>
-          </a:p>
-          <a:p>
-            <a:r>
-              <a:rPr lang="ru-RU" sz="2000" dirty="0"/>
-              <a:t>В качестве </a:t>
-            </a:r>
-            <a:r>
-              <a:rPr lang="en-US" sz="2000" dirty="0"/>
-              <a:t>IDE </a:t>
-            </a:r>
-            <a:r>
-              <a:rPr lang="ru-RU" sz="2000" dirty="0"/>
-              <a:t>был использован </a:t>
-            </a:r>
-            <a:r>
-              <a:rPr lang="en-US" sz="2000" dirty="0"/>
-              <a:t>VS Code.</a:t>
-            </a:r>
-            <a:endParaRPr lang="ru-RU" sz="2000" dirty="0"/>
-          </a:p>
-          <a:p>
-            <a:r>
-              <a:rPr lang="ru-RU" sz="2000" dirty="0"/>
-              <a:t>Базы данных</a:t>
-            </a:r>
-            <a:r>
-              <a:rPr lang="en-US" sz="2000" dirty="0"/>
-              <a:t>:</a:t>
-            </a:r>
-          </a:p>
-          <a:p>
-            <a:pPr marL="342900" indent="-342900">
-              <a:buFont typeface="Arial" panose="020B0604020202020204" pitchFamily="34" charset="0"/>
-              <a:buChar char="•"/>
-            </a:pPr>
-            <a:r>
-              <a:rPr lang="en-US" sz="2000" dirty="0"/>
-              <a:t>PostgreSQL</a:t>
-            </a:r>
-          </a:p>
-          <a:p>
-            <a:pPr marL="342900" indent="-342900">
-              <a:buFont typeface="Arial" panose="020B0604020202020204" pitchFamily="34" charset="0"/>
-              <a:buChar char="•"/>
-            </a:pPr>
-            <a:r>
-              <a:rPr lang="en-US" sz="2000" dirty="0" err="1"/>
-              <a:t>PgAdmin</a:t>
-            </a:r>
-            <a:r>
-              <a:rPr lang="en-US" sz="2000" dirty="0"/>
-              <a:t> 4</a:t>
-            </a:r>
-          </a:p>
-          <a:p>
-            <a:r>
-              <a:rPr lang="en-US" sz="2000" dirty="0"/>
-              <a:t>Backend:</a:t>
-            </a:r>
-          </a:p>
-          <a:p>
-            <a:pPr marL="342900" indent="-342900">
-              <a:buFont typeface="Arial" panose="020B0604020202020204" pitchFamily="34" charset="0"/>
-              <a:buChar char="•"/>
-            </a:pPr>
-            <a:r>
-              <a:rPr lang="en-US" sz="2000" dirty="0"/>
-              <a:t>Python == 3.10.5</a:t>
-            </a:r>
-          </a:p>
-          <a:p>
-            <a:pPr marL="342900" indent="-342900">
-              <a:buFont typeface="Arial" panose="020B0604020202020204" pitchFamily="34" charset="0"/>
-              <a:buChar char="•"/>
-            </a:pPr>
-            <a:r>
-              <a:rPr lang="en-US" sz="2000" dirty="0"/>
-              <a:t>Django == 4.0.6</a:t>
-            </a:r>
-          </a:p>
-          <a:p>
-            <a:pPr marL="342900" indent="-342900">
-              <a:buFont typeface="Arial" panose="020B0604020202020204" pitchFamily="34" charset="0"/>
-              <a:buChar char="•"/>
-            </a:pPr>
-            <a:r>
-              <a:rPr lang="en-US" sz="2000" dirty="0"/>
-              <a:t>Django rest framework == 0.1.0</a:t>
-            </a:r>
-          </a:p>
-          <a:p>
-            <a:pPr marL="342900" indent="-342900">
-              <a:buFont typeface="Arial" panose="020B0604020202020204" pitchFamily="34" charset="0"/>
-              <a:buChar char="•"/>
-            </a:pPr>
-            <a:r>
-              <a:rPr lang="en-US" sz="2000" dirty="0"/>
-              <a:t>requests == 2.28.1</a:t>
-            </a:r>
-          </a:p>
-          <a:p>
-            <a:r>
-              <a:rPr lang="en-US" sz="2000" dirty="0"/>
-              <a:t>Frontend: </a:t>
-            </a:r>
-          </a:p>
-          <a:p>
-            <a:pPr marL="342900" indent="-342900">
-              <a:buFont typeface="Arial" panose="020B0604020202020204" pitchFamily="34" charset="0"/>
-              <a:buChar char="•"/>
-            </a:pPr>
-            <a:r>
-              <a:rPr lang="en-US" sz="2000" dirty="0"/>
-              <a:t>Bootstrap 5.0</a:t>
-            </a:r>
-            <a:endParaRPr lang="ru-RU" sz="2000" dirty="0"/>
+              <a:rPr lang="ru-RU" sz="1800" dirty="0"/>
+              <a:t>Объект исследования - деятельность отдела снабжения и отдела главного технолога ФГУП «Комбинат «</a:t>
+            </a:r>
+            <a:r>
+              <a:rPr lang="ru-RU" sz="1800" dirty="0" err="1"/>
+              <a:t>Электрохимприбор</a:t>
+            </a:r>
+            <a:r>
+              <a:rPr lang="ru-RU" sz="1800" dirty="0"/>
+              <a:t>».</a:t>
+            </a:r>
           </a:p>
         </p:txBody>
       </p:sp>
       <p:pic>
         <p:nvPicPr>
-          <p:cNvPr id="3074" name="Picture 2">
+          <p:cNvPr id="5" name="Picture 2" descr="Бесплатное векторное изображение Иллюстрация вектора абстрактной концепции инициативы данных. открытая платформа, информационная инициатива, исследование метаданных, запуск на основе данных, исследования и разработки, абстрактная метафора политики конфиденциальности.">
             <a:extLst>
               <a:ext uri="{FF2B5EF4-FFF2-40B4-BE49-F238E27FC236}">
-                <a16:creationId xmlns:a16="http://schemas.microsoft.com/office/drawing/2014/main" id="{57AC21BF-D1CF-4EEA-A1FE-34ED58B7D3F5}"/>
+                <a16:creationId xmlns:a16="http://schemas.microsoft.com/office/drawing/2014/main" id="{8BDA0133-A122-4320-BBE5-8128FEB09909}"/>
               </a:ext>
             </a:extLst>
           </p:cNvPr>
@@ -4603,8 +4577,8 @@
         </p:blipFill>
         <p:spPr bwMode="auto">
           <a:xfrm>
-            <a:off x="7358678" y="1540584"/>
-            <a:ext cx="2160265" cy="1350166"/>
+            <a:off x="7711303" y="2067848"/>
+            <a:ext cx="3921125" cy="3921125"/>
           </a:xfrm>
           <a:prstGeom prst="rect">
             <a:avLst/>
@@ -4621,198 +4595,417 @@
           </a:extLst>
         </p:spPr>
       </p:pic>
-      <p:pic>
-        <p:nvPicPr>
-          <p:cNvPr id="3078" name="Picture 6">
+      <p:sp>
+        <p:nvSpPr>
+          <p:cNvPr id="6" name="Текст 2">
             <a:extLst>
               <a:ext uri="{FF2B5EF4-FFF2-40B4-BE49-F238E27FC236}">
-                <a16:creationId xmlns:a16="http://schemas.microsoft.com/office/drawing/2014/main" id="{C52F4561-DE12-4058-8B1C-3073B1DFAB24}"/>
+                <a16:creationId xmlns:a16="http://schemas.microsoft.com/office/drawing/2014/main" id="{F23975C7-8EE7-491F-9944-90DB5E22B49B}"/>
               </a:ext>
             </a:extLst>
           </p:cNvPr>
-          <p:cNvPicPr>
-            <a:picLocks noChangeAspect="1" noChangeArrowheads="1"/>
-          </p:cNvPicPr>
+          <p:cNvSpPr txBox="1">
+            <a:spLocks/>
+          </p:cNvSpPr>
           <p:nvPr/>
-        </p:nvPicPr>
-        <p:blipFill>
-          <a:blip r:embed="rId3">
-            <a:extLst>
-              <a:ext uri="{28A0092B-C50C-407E-A947-70E740481C1C}">
-                <a14:useLocalDpi xmlns:a14="http://schemas.microsoft.com/office/drawing/2010/main" val="0"/>
-              </a:ext>
-            </a:extLst>
-          </a:blip>
-          <a:srcRect/>
-          <a:stretch>
-            <a:fillRect/>
-          </a:stretch>
-        </p:blipFill>
-        <p:spPr bwMode="auto">
-          <a:xfrm>
-            <a:off x="7476250" y="3030912"/>
-            <a:ext cx="1350166" cy="1350166"/>
-          </a:xfrm>
-          <a:prstGeom prst="rect">
-            <a:avLst/>
-          </a:prstGeom>
-          <a:noFill/>
-          <a:extLst>
-            <a:ext uri="{909E8E84-426E-40DD-AFC4-6F175D3DCCD1}">
-              <a14:hiddenFill xmlns:a14="http://schemas.microsoft.com/office/drawing/2010/main">
-                <a:solidFill>
-                  <a:srgbClr val="FFFFFF"/>
-                </a:solidFill>
-              </a14:hiddenFill>
-            </a:ext>
-          </a:extLst>
-        </p:spPr>
-      </p:pic>
-      <p:pic>
-        <p:nvPicPr>
-          <p:cNvPr id="3080" name="Picture 8">
+        </p:nvSpPr>
+        <p:spPr>
+          <a:xfrm>
+            <a:off x="673872" y="3259723"/>
+            <a:ext cx="6344148" cy="400110"/>
+          </a:xfrm>
+          <a:prstGeom prst="rect">
+            <a:avLst/>
+          </a:prstGeom>
+        </p:spPr>
+        <p:txBody>
+          <a:bodyPr wrap="square" anchor="t" anchorCtr="0">
+            <a:spAutoFit/>
+          </a:bodyPr>
+          <a:lstStyle>
+            <a:lvl1pPr marL="0" indent="0" algn="l" defTabSz="914400" rtl="0" eaLnBrk="1" latinLnBrk="0" hangingPunct="1">
+              <a:lnSpc>
+                <a:spcPct val="100000"/>
+              </a:lnSpc>
+              <a:spcBef>
+                <a:spcPts val="0"/>
+              </a:spcBef>
+              <a:spcAft>
+                <a:spcPts val="600"/>
+              </a:spcAft>
+              <a:buFont typeface="Arial" panose="020B0604020202020204" pitchFamily="34" charset="0"/>
+              <a:buNone/>
+              <a:defRPr sz="1600" b="1" kern="1200">
+                <a:solidFill>
+                  <a:srgbClr val="00BBEE"/>
+                </a:solidFill>
+                <a:latin typeface="Montserrat" panose="00000500000000000000" pitchFamily="2" charset="-52"/>
+                <a:ea typeface="+mn-ea"/>
+                <a:cs typeface="+mn-cs"/>
+              </a:defRPr>
+            </a:lvl1pPr>
+            <a:lvl2pPr marL="685800" indent="-228600" algn="l" defTabSz="914400" rtl="0" eaLnBrk="1" latinLnBrk="0" hangingPunct="1">
+              <a:lnSpc>
+                <a:spcPct val="100000"/>
+              </a:lnSpc>
+              <a:spcBef>
+                <a:spcPts val="0"/>
+              </a:spcBef>
+              <a:spcAft>
+                <a:spcPts val="600"/>
+              </a:spcAft>
+              <a:buFont typeface="Arial" panose="020B0604020202020204" pitchFamily="34" charset="0"/>
+              <a:buChar char="•"/>
+              <a:defRPr sz="1400" b="0" kern="1200">
+                <a:solidFill>
+                  <a:srgbClr val="222A3F"/>
+                </a:solidFill>
+                <a:latin typeface="Montserrat" panose="00000500000000000000" pitchFamily="2" charset="-52"/>
+                <a:ea typeface="+mn-ea"/>
+                <a:cs typeface="+mn-cs"/>
+              </a:defRPr>
+            </a:lvl2pPr>
+            <a:lvl3pPr marL="1143000" indent="-228600" algn="l" defTabSz="914400" rtl="0" eaLnBrk="1" latinLnBrk="0" hangingPunct="1">
+              <a:lnSpc>
+                <a:spcPct val="90000"/>
+              </a:lnSpc>
+              <a:spcBef>
+                <a:spcPts val="500"/>
+              </a:spcBef>
+              <a:buFont typeface="Arial" panose="020B0604020202020204" pitchFamily="34" charset="0"/>
+              <a:buChar char="•"/>
+              <a:defRPr sz="2000" kern="1200">
+                <a:solidFill>
+                  <a:schemeClr val="tx1"/>
+                </a:solidFill>
+                <a:latin typeface="+mn-lt"/>
+                <a:ea typeface="+mn-ea"/>
+                <a:cs typeface="+mn-cs"/>
+              </a:defRPr>
+            </a:lvl3pPr>
+            <a:lvl4pPr marL="1600200" indent="-228600" algn="l" defTabSz="914400" rtl="0" eaLnBrk="1" latinLnBrk="0" hangingPunct="1">
+              <a:lnSpc>
+                <a:spcPct val="90000"/>
+              </a:lnSpc>
+              <a:spcBef>
+                <a:spcPts val="500"/>
+              </a:spcBef>
+              <a:buFont typeface="Arial" panose="020B0604020202020204" pitchFamily="34" charset="0"/>
+              <a:buChar char="•"/>
+              <a:defRPr sz="1800" kern="1200">
+                <a:solidFill>
+                  <a:schemeClr val="tx1"/>
+                </a:solidFill>
+                <a:latin typeface="+mn-lt"/>
+                <a:ea typeface="+mn-ea"/>
+                <a:cs typeface="+mn-cs"/>
+              </a:defRPr>
+            </a:lvl4pPr>
+            <a:lvl5pPr marL="2057400" indent="-228600" algn="l" defTabSz="914400" rtl="0" eaLnBrk="1" latinLnBrk="0" hangingPunct="1">
+              <a:lnSpc>
+                <a:spcPct val="90000"/>
+              </a:lnSpc>
+              <a:spcBef>
+                <a:spcPts val="500"/>
+              </a:spcBef>
+              <a:buFont typeface="Arial" panose="020B0604020202020204" pitchFamily="34" charset="0"/>
+              <a:buChar char="•"/>
+              <a:defRPr sz="1800" kern="1200">
+                <a:solidFill>
+                  <a:schemeClr val="tx1"/>
+                </a:solidFill>
+                <a:latin typeface="+mn-lt"/>
+                <a:ea typeface="+mn-ea"/>
+                <a:cs typeface="+mn-cs"/>
+              </a:defRPr>
+            </a:lvl5pPr>
+            <a:lvl6pPr marL="2514600" indent="-228600" algn="l" defTabSz="914400" rtl="0" eaLnBrk="1" latinLnBrk="0" hangingPunct="1">
+              <a:lnSpc>
+                <a:spcPct val="90000"/>
+              </a:lnSpc>
+              <a:spcBef>
+                <a:spcPts val="500"/>
+              </a:spcBef>
+              <a:buFont typeface="Arial" panose="020B0604020202020204" pitchFamily="34" charset="0"/>
+              <a:buChar char="•"/>
+              <a:defRPr sz="1800" kern="1200">
+                <a:solidFill>
+                  <a:schemeClr val="tx1"/>
+                </a:solidFill>
+                <a:latin typeface="+mn-lt"/>
+                <a:ea typeface="+mn-ea"/>
+                <a:cs typeface="+mn-cs"/>
+              </a:defRPr>
+            </a:lvl6pPr>
+            <a:lvl7pPr marL="2971800" indent="-228600" algn="l" defTabSz="914400" rtl="0" eaLnBrk="1" latinLnBrk="0" hangingPunct="1">
+              <a:lnSpc>
+                <a:spcPct val="90000"/>
+              </a:lnSpc>
+              <a:spcBef>
+                <a:spcPts val="500"/>
+              </a:spcBef>
+              <a:buFont typeface="Arial" panose="020B0604020202020204" pitchFamily="34" charset="0"/>
+              <a:buChar char="•"/>
+              <a:defRPr sz="1800" kern="1200">
+                <a:solidFill>
+                  <a:schemeClr val="tx1"/>
+                </a:solidFill>
+                <a:latin typeface="+mn-lt"/>
+                <a:ea typeface="+mn-ea"/>
+                <a:cs typeface="+mn-cs"/>
+              </a:defRPr>
+            </a:lvl7pPr>
+            <a:lvl8pPr marL="3429000" indent="-228600" algn="l" defTabSz="914400" rtl="0" eaLnBrk="1" latinLnBrk="0" hangingPunct="1">
+              <a:lnSpc>
+                <a:spcPct val="90000"/>
+              </a:lnSpc>
+              <a:spcBef>
+                <a:spcPts val="500"/>
+              </a:spcBef>
+              <a:buFont typeface="Arial" panose="020B0604020202020204" pitchFamily="34" charset="0"/>
+              <a:buChar char="•"/>
+              <a:defRPr sz="1800" kern="1200">
+                <a:solidFill>
+                  <a:schemeClr val="tx1"/>
+                </a:solidFill>
+                <a:latin typeface="+mn-lt"/>
+                <a:ea typeface="+mn-ea"/>
+                <a:cs typeface="+mn-cs"/>
+              </a:defRPr>
+            </a:lvl8pPr>
+            <a:lvl9pPr marL="3886200" indent="-228600" algn="l" defTabSz="914400" rtl="0" eaLnBrk="1" latinLnBrk="0" hangingPunct="1">
+              <a:lnSpc>
+                <a:spcPct val="90000"/>
+              </a:lnSpc>
+              <a:spcBef>
+                <a:spcPts val="500"/>
+              </a:spcBef>
+              <a:buFont typeface="Arial" panose="020B0604020202020204" pitchFamily="34" charset="0"/>
+              <a:buChar char="•"/>
+              <a:defRPr sz="1800" kern="1200">
+                <a:solidFill>
+                  <a:schemeClr val="tx1"/>
+                </a:solidFill>
+                <a:latin typeface="+mn-lt"/>
+                <a:ea typeface="+mn-ea"/>
+                <a:cs typeface="+mn-cs"/>
+              </a:defRPr>
+            </a:lvl9pPr>
+          </a:lstStyle>
+          <a:p>
+            <a:r>
+              <a:rPr lang="ru-RU" sz="2000" dirty="0"/>
+              <a:t>Предмет исследования</a:t>
+            </a:r>
+          </a:p>
+        </p:txBody>
+      </p:sp>
+      <p:sp>
+        <p:nvSpPr>
+          <p:cNvPr id="7" name="Текст 3">
             <a:extLst>
               <a:ext uri="{FF2B5EF4-FFF2-40B4-BE49-F238E27FC236}">
-                <a16:creationId xmlns:a16="http://schemas.microsoft.com/office/drawing/2014/main" id="{B30AA152-C9D4-4DC6-AE97-C10030E52AF0}"/>
+                <a16:creationId xmlns:a16="http://schemas.microsoft.com/office/drawing/2014/main" id="{8FAE3FA3-4E7A-41E7-BCF3-7DDF3E0888E1}"/>
               </a:ext>
             </a:extLst>
           </p:cNvPr>
-          <p:cNvPicPr>
-            <a:picLocks noChangeAspect="1" noChangeArrowheads="1"/>
-          </p:cNvPicPr>
+          <p:cNvSpPr txBox="1">
+            <a:spLocks/>
+          </p:cNvSpPr>
           <p:nvPr/>
-        </p:nvPicPr>
-        <p:blipFill>
-          <a:blip r:embed="rId4" cstate="print">
-            <a:extLst>
-              <a:ext uri="{28A0092B-C50C-407E-A947-70E740481C1C}">
-                <a14:useLocalDpi xmlns:a14="http://schemas.microsoft.com/office/drawing/2010/main" val="0"/>
-              </a:ext>
-            </a:extLst>
-          </a:blip>
-          <a:srcRect/>
-          <a:stretch>
-            <a:fillRect/>
-          </a:stretch>
-        </p:blipFill>
-        <p:spPr bwMode="auto">
-          <a:xfrm>
-            <a:off x="9828355" y="2078834"/>
-            <a:ext cx="1350166" cy="1350166"/>
-          </a:xfrm>
-          <a:prstGeom prst="rect">
-            <a:avLst/>
-          </a:prstGeom>
-          <a:noFill/>
-          <a:extLst>
-            <a:ext uri="{909E8E84-426E-40DD-AFC4-6F175D3DCCD1}">
-              <a14:hiddenFill xmlns:a14="http://schemas.microsoft.com/office/drawing/2010/main">
-                <a:solidFill>
-                  <a:srgbClr val="FFFFFF"/>
-                </a:solidFill>
-              </a14:hiddenFill>
-            </a:ext>
-          </a:extLst>
-        </p:spPr>
-      </p:pic>
-      <p:pic>
-        <p:nvPicPr>
-          <p:cNvPr id="2050" name="Picture 2">
-            <a:extLst>
-              <a:ext uri="{FF2B5EF4-FFF2-40B4-BE49-F238E27FC236}">
-                <a16:creationId xmlns:a16="http://schemas.microsoft.com/office/drawing/2014/main" id="{0DE5DDC9-A78D-4CA5-A4C5-DF6E3A196C78}"/>
-              </a:ext>
-            </a:extLst>
-          </p:cNvPr>
-          <p:cNvPicPr>
-            <a:picLocks noChangeAspect="1" noChangeArrowheads="1"/>
-          </p:cNvPicPr>
-          <p:nvPr/>
-        </p:nvPicPr>
-        <p:blipFill>
-          <a:blip r:embed="rId5" cstate="print">
-            <a:extLst>
-              <a:ext uri="{28A0092B-C50C-407E-A947-70E740481C1C}">
-                <a14:useLocalDpi xmlns:a14="http://schemas.microsoft.com/office/drawing/2010/main" val="0"/>
-              </a:ext>
-            </a:extLst>
-          </a:blip>
-          <a:srcRect/>
-          <a:stretch>
-            <a:fillRect/>
-          </a:stretch>
-        </p:blipFill>
-        <p:spPr bwMode="auto">
-          <a:xfrm>
-            <a:off x="7167412" y="4910464"/>
-            <a:ext cx="3617412" cy="1672936"/>
-          </a:xfrm>
-          <a:prstGeom prst="rect">
-            <a:avLst/>
-          </a:prstGeom>
-          <a:noFill/>
-          <a:extLst>
-            <a:ext uri="{909E8E84-426E-40DD-AFC4-6F175D3DCCD1}">
-              <a14:hiddenFill xmlns:a14="http://schemas.microsoft.com/office/drawing/2010/main">
-                <a:solidFill>
-                  <a:srgbClr val="FFFFFF"/>
-                </a:solidFill>
-              </a14:hiddenFill>
-            </a:ext>
-          </a:extLst>
-        </p:spPr>
-      </p:pic>
-      <p:pic>
-        <p:nvPicPr>
-          <p:cNvPr id="3076" name="Picture 4">
-            <a:extLst>
-              <a:ext uri="{FF2B5EF4-FFF2-40B4-BE49-F238E27FC236}">
-                <a16:creationId xmlns:a16="http://schemas.microsoft.com/office/drawing/2014/main" id="{D433369C-7169-468D-B3DD-A5FA715293A6}"/>
-              </a:ext>
-            </a:extLst>
-          </p:cNvPr>
-          <p:cNvPicPr>
-            <a:picLocks noChangeAspect="1" noChangeArrowheads="1"/>
-          </p:cNvPicPr>
-          <p:nvPr/>
-        </p:nvPicPr>
-        <p:blipFill>
-          <a:blip r:embed="rId6" cstate="print">
-            <a:extLst>
-              <a:ext uri="{28A0092B-C50C-407E-A947-70E740481C1C}">
-                <a14:useLocalDpi xmlns:a14="http://schemas.microsoft.com/office/drawing/2010/main" val="0"/>
-              </a:ext>
-            </a:extLst>
-          </a:blip>
-          <a:srcRect/>
-          <a:stretch>
-            <a:fillRect/>
-          </a:stretch>
-        </p:blipFill>
-        <p:spPr bwMode="auto">
-          <a:xfrm>
-            <a:off x="9444666" y="3851692"/>
-            <a:ext cx="2117544" cy="2117544"/>
-          </a:xfrm>
-          <a:prstGeom prst="rect">
-            <a:avLst/>
-          </a:prstGeom>
-          <a:noFill/>
-          <a:extLst>
-            <a:ext uri="{909E8E84-426E-40DD-AFC4-6F175D3DCCD1}">
-              <a14:hiddenFill xmlns:a14="http://schemas.microsoft.com/office/drawing/2010/main">
-                <a:solidFill>
-                  <a:srgbClr val="FFFFFF"/>
-                </a:solidFill>
-              </a14:hiddenFill>
-            </a:ext>
-          </a:extLst>
-        </p:spPr>
-      </p:pic>
+        </p:nvSpPr>
+        <p:spPr>
+          <a:xfrm>
+            <a:off x="673872" y="3659833"/>
+            <a:ext cx="6344148" cy="646331"/>
+          </a:xfrm>
+          <a:prstGeom prst="rect">
+            <a:avLst/>
+          </a:prstGeom>
+        </p:spPr>
+        <p:txBody>
+          <a:bodyPr wrap="square">
+            <a:spAutoFit/>
+          </a:bodyPr>
+          <a:lstStyle>
+            <a:lvl1pPr marL="0" indent="0" algn="l" defTabSz="914400" rtl="0" eaLnBrk="1" latinLnBrk="0" hangingPunct="1">
+              <a:lnSpc>
+                <a:spcPct val="100000"/>
+              </a:lnSpc>
+              <a:spcBef>
+                <a:spcPts val="0"/>
+              </a:spcBef>
+              <a:spcAft>
+                <a:spcPts val="600"/>
+              </a:spcAft>
+              <a:buFont typeface="Arial" panose="020B0604020202020204" pitchFamily="34" charset="0"/>
+              <a:buNone/>
+              <a:defRPr sz="1400" kern="1200">
+                <a:solidFill>
+                  <a:srgbClr val="222A3F"/>
+                </a:solidFill>
+                <a:latin typeface="Montserrat" panose="00000500000000000000" pitchFamily="2" charset="-52"/>
+                <a:ea typeface="+mn-ea"/>
+                <a:cs typeface="+mn-cs"/>
+              </a:defRPr>
+            </a:lvl1pPr>
+            <a:lvl2pPr marL="685800" indent="-228600" algn="l" defTabSz="914400" rtl="0" eaLnBrk="1" latinLnBrk="0" hangingPunct="1">
+              <a:lnSpc>
+                <a:spcPct val="90000"/>
+              </a:lnSpc>
+              <a:spcBef>
+                <a:spcPts val="500"/>
+              </a:spcBef>
+              <a:buFont typeface="Arial" panose="020B0604020202020204" pitchFamily="34" charset="0"/>
+              <a:buChar char="•"/>
+              <a:defRPr sz="2400" kern="1200">
+                <a:solidFill>
+                  <a:schemeClr val="tx1"/>
+                </a:solidFill>
+                <a:latin typeface="+mn-lt"/>
+                <a:ea typeface="+mn-ea"/>
+                <a:cs typeface="+mn-cs"/>
+              </a:defRPr>
+            </a:lvl2pPr>
+            <a:lvl3pPr marL="1143000" indent="-228600" algn="l" defTabSz="914400" rtl="0" eaLnBrk="1" latinLnBrk="0" hangingPunct="1">
+              <a:lnSpc>
+                <a:spcPct val="90000"/>
+              </a:lnSpc>
+              <a:spcBef>
+                <a:spcPts val="500"/>
+              </a:spcBef>
+              <a:buFont typeface="Arial" panose="020B0604020202020204" pitchFamily="34" charset="0"/>
+              <a:buChar char="•"/>
+              <a:defRPr sz="2000" kern="1200">
+                <a:solidFill>
+                  <a:schemeClr val="tx1"/>
+                </a:solidFill>
+                <a:latin typeface="+mn-lt"/>
+                <a:ea typeface="+mn-ea"/>
+                <a:cs typeface="+mn-cs"/>
+              </a:defRPr>
+            </a:lvl3pPr>
+            <a:lvl4pPr marL="1600200" indent="-228600" algn="l" defTabSz="914400" rtl="0" eaLnBrk="1" latinLnBrk="0" hangingPunct="1">
+              <a:lnSpc>
+                <a:spcPct val="90000"/>
+              </a:lnSpc>
+              <a:spcBef>
+                <a:spcPts val="500"/>
+              </a:spcBef>
+              <a:buFont typeface="Arial" panose="020B0604020202020204" pitchFamily="34" charset="0"/>
+              <a:buChar char="•"/>
+              <a:defRPr sz="1800" kern="1200">
+                <a:solidFill>
+                  <a:schemeClr val="tx1"/>
+                </a:solidFill>
+                <a:latin typeface="+mn-lt"/>
+                <a:ea typeface="+mn-ea"/>
+                <a:cs typeface="+mn-cs"/>
+              </a:defRPr>
+            </a:lvl4pPr>
+            <a:lvl5pPr marL="2057400" indent="-228600" algn="l" defTabSz="914400" rtl="0" eaLnBrk="1" latinLnBrk="0" hangingPunct="1">
+              <a:lnSpc>
+                <a:spcPct val="90000"/>
+              </a:lnSpc>
+              <a:spcBef>
+                <a:spcPts val="500"/>
+              </a:spcBef>
+              <a:buFont typeface="Arial" panose="020B0604020202020204" pitchFamily="34" charset="0"/>
+              <a:buChar char="•"/>
+              <a:defRPr sz="1800" kern="1200">
+                <a:solidFill>
+                  <a:schemeClr val="tx1"/>
+                </a:solidFill>
+                <a:latin typeface="+mn-lt"/>
+                <a:ea typeface="+mn-ea"/>
+                <a:cs typeface="+mn-cs"/>
+              </a:defRPr>
+            </a:lvl5pPr>
+            <a:lvl6pPr marL="2514600" indent="-228600" algn="l" defTabSz="914400" rtl="0" eaLnBrk="1" latinLnBrk="0" hangingPunct="1">
+              <a:lnSpc>
+                <a:spcPct val="90000"/>
+              </a:lnSpc>
+              <a:spcBef>
+                <a:spcPts val="500"/>
+              </a:spcBef>
+              <a:buFont typeface="Arial" panose="020B0604020202020204" pitchFamily="34" charset="0"/>
+              <a:buChar char="•"/>
+              <a:defRPr sz="1800" kern="1200">
+                <a:solidFill>
+                  <a:schemeClr val="tx1"/>
+                </a:solidFill>
+                <a:latin typeface="+mn-lt"/>
+                <a:ea typeface="+mn-ea"/>
+                <a:cs typeface="+mn-cs"/>
+              </a:defRPr>
+            </a:lvl6pPr>
+            <a:lvl7pPr marL="2971800" indent="-228600" algn="l" defTabSz="914400" rtl="0" eaLnBrk="1" latinLnBrk="0" hangingPunct="1">
+              <a:lnSpc>
+                <a:spcPct val="90000"/>
+              </a:lnSpc>
+              <a:spcBef>
+                <a:spcPts val="500"/>
+              </a:spcBef>
+              <a:buFont typeface="Arial" panose="020B0604020202020204" pitchFamily="34" charset="0"/>
+              <a:buChar char="•"/>
+              <a:defRPr sz="1800" kern="1200">
+                <a:solidFill>
+                  <a:schemeClr val="tx1"/>
+                </a:solidFill>
+                <a:latin typeface="+mn-lt"/>
+                <a:ea typeface="+mn-ea"/>
+                <a:cs typeface="+mn-cs"/>
+              </a:defRPr>
+            </a:lvl7pPr>
+            <a:lvl8pPr marL="3429000" indent="-228600" algn="l" defTabSz="914400" rtl="0" eaLnBrk="1" latinLnBrk="0" hangingPunct="1">
+              <a:lnSpc>
+                <a:spcPct val="90000"/>
+              </a:lnSpc>
+              <a:spcBef>
+                <a:spcPts val="500"/>
+              </a:spcBef>
+              <a:buFont typeface="Arial" panose="020B0604020202020204" pitchFamily="34" charset="0"/>
+              <a:buChar char="•"/>
+              <a:defRPr sz="1800" kern="1200">
+                <a:solidFill>
+                  <a:schemeClr val="tx1"/>
+                </a:solidFill>
+                <a:latin typeface="+mn-lt"/>
+                <a:ea typeface="+mn-ea"/>
+                <a:cs typeface="+mn-cs"/>
+              </a:defRPr>
+            </a:lvl8pPr>
+            <a:lvl9pPr marL="3886200" indent="-228600" algn="l" defTabSz="914400" rtl="0" eaLnBrk="1" latinLnBrk="0" hangingPunct="1">
+              <a:lnSpc>
+                <a:spcPct val="90000"/>
+              </a:lnSpc>
+              <a:spcBef>
+                <a:spcPts val="500"/>
+              </a:spcBef>
+              <a:buFont typeface="Arial" panose="020B0604020202020204" pitchFamily="34" charset="0"/>
+              <a:buChar char="•"/>
+              <a:defRPr sz="1800" kern="1200">
+                <a:solidFill>
+                  <a:schemeClr val="tx1"/>
+                </a:solidFill>
+                <a:latin typeface="+mn-lt"/>
+                <a:ea typeface="+mn-ea"/>
+                <a:cs typeface="+mn-cs"/>
+              </a:defRPr>
+            </a:lvl9pPr>
+          </a:lstStyle>
+          <a:p>
+            <a:r>
+              <a:rPr lang="ru-RU" sz="1800" dirty="0"/>
+              <a:t>Предмет исследования – процесс согласования заявок на код материально технического ресурса.</a:t>
+            </a:r>
+          </a:p>
+        </p:txBody>
+      </p:sp>
     </p:spTree>
     <p:extLst>
       <p:ext uri="{BB962C8B-B14F-4D97-AF65-F5344CB8AC3E}">
-        <p14:creationId xmlns:p14="http://schemas.microsoft.com/office/powerpoint/2010/main" val="4075699986"/>
+        <p14:creationId xmlns:p14="http://schemas.microsoft.com/office/powerpoint/2010/main" val="3293573760"/>
       </p:ext>
     </p:extLst>
   </p:cSld>
@@ -4844,7 +5037,7 @@
           <p:cNvPr id="2" name="Заголовок 1">
             <a:extLst>
               <a:ext uri="{FF2B5EF4-FFF2-40B4-BE49-F238E27FC236}">
-                <a16:creationId xmlns:a16="http://schemas.microsoft.com/office/drawing/2014/main" id="{9DD3F7A9-2C15-4655-BF82-91348F2FC8A3}"/>
+                <a16:creationId xmlns:a16="http://schemas.microsoft.com/office/drawing/2014/main" id="{C578FF17-7E65-49A3-A984-E38629724882}"/>
               </a:ext>
             </a:extLst>
           </p:cNvPr>
@@ -4855,14 +5048,52 @@
             <p:ph type="title"/>
           </p:nvPr>
         </p:nvSpPr>
-        <p:spPr/>
+        <p:spPr>
+          <a:xfrm>
+            <a:off x="559572" y="143658"/>
+            <a:ext cx="9173513" cy="954107"/>
+          </a:xfrm>
+        </p:spPr>
         <p:txBody>
           <a:bodyPr/>
           <a:lstStyle/>
           <a:p>
             <a:r>
               <a:rPr lang="ru-RU" dirty="0"/>
-              <a:t>Анализ предметной области</a:t>
+              <a:t>Инструменты для реализации информационной системы</a:t>
+            </a:r>
+          </a:p>
+        </p:txBody>
+      </p:sp>
+      <p:sp>
+        <p:nvSpPr>
+          <p:cNvPr id="3" name="Текст 2">
+            <a:extLst>
+              <a:ext uri="{FF2B5EF4-FFF2-40B4-BE49-F238E27FC236}">
+                <a16:creationId xmlns:a16="http://schemas.microsoft.com/office/drawing/2014/main" id="{0220DB90-2C60-4E66-A32D-E6E342FE3384}"/>
+              </a:ext>
+            </a:extLst>
+          </p:cNvPr>
+          <p:cNvSpPr>
+            <a:spLocks noGrp="1"/>
+          </p:cNvSpPr>
+          <p:nvPr>
+            <p:ph type="body" sz="quarter" idx="10"/>
+          </p:nvPr>
+        </p:nvSpPr>
+        <p:spPr>
+          <a:xfrm>
+            <a:off x="2114052" y="1692805"/>
+            <a:ext cx="2579868" cy="369332"/>
+          </a:xfrm>
+        </p:spPr>
+        <p:txBody>
+          <a:bodyPr/>
+          <a:lstStyle/>
+          <a:p>
+            <a:r>
+              <a:rPr lang="ru-RU" sz="1800" dirty="0"/>
+              <a:t>Базы данных</a:t>
             </a:r>
           </a:p>
         </p:txBody>
@@ -4872,7 +5103,7 @@
           <p:cNvPr id="4" name="Текст 3">
             <a:extLst>
               <a:ext uri="{FF2B5EF4-FFF2-40B4-BE49-F238E27FC236}">
-                <a16:creationId xmlns:a16="http://schemas.microsoft.com/office/drawing/2014/main" id="{7B05226D-8C31-4D22-89D0-1F4DF20497D6}"/>
+                <a16:creationId xmlns:a16="http://schemas.microsoft.com/office/drawing/2014/main" id="{0AD77254-259F-4FEE-BA7C-3CDAD240DC7A}"/>
               </a:ext>
             </a:extLst>
           </p:cNvPr>
@@ -4885,75 +5116,885 @@
         </p:nvSpPr>
         <p:spPr>
           <a:xfrm>
-            <a:off x="787400" y="1898570"/>
-            <a:ext cx="6045200" cy="3631763"/>
+            <a:off x="2114052" y="2064309"/>
+            <a:ext cx="2579868" cy="338554"/>
           </a:xfrm>
         </p:spPr>
         <p:txBody>
           <a:bodyPr/>
           <a:lstStyle/>
           <a:p>
-            <a:pPr marL="342900" indent="-342900">
+            <a:pPr marL="285750" indent="-285750">
               <a:buFont typeface="Arial" panose="020B0604020202020204" pitchFamily="34" charset="0"/>
               <a:buChar char="•"/>
             </a:pPr>
             <a:r>
-              <a:rPr lang="ru-RU" sz="2200" dirty="0"/>
-              <a:t>Проанализирована задача, рассмотрены различные варианты использования сервиса.</a:t>
-            </a:r>
-          </a:p>
-          <a:p>
-            <a:pPr marL="342900" indent="-342900">
+              <a:rPr lang="en-US" sz="1600" dirty="0"/>
+              <a:t>PostgreSQL</a:t>
+            </a:r>
+          </a:p>
+        </p:txBody>
+      </p:sp>
+      <p:sp>
+        <p:nvSpPr>
+          <p:cNvPr id="5" name="Текст 2">
+            <a:extLst>
+              <a:ext uri="{FF2B5EF4-FFF2-40B4-BE49-F238E27FC236}">
+                <a16:creationId xmlns:a16="http://schemas.microsoft.com/office/drawing/2014/main" id="{7211CA6E-5644-48AA-B98F-9F254C158A0E}"/>
+              </a:ext>
+            </a:extLst>
+          </p:cNvPr>
+          <p:cNvSpPr txBox="1">
+            <a:spLocks/>
+          </p:cNvSpPr>
+          <p:nvPr/>
+        </p:nvSpPr>
+        <p:spPr>
+          <a:xfrm>
+            <a:off x="2114052" y="2439679"/>
+            <a:ext cx="2579868" cy="369332"/>
+          </a:xfrm>
+          <a:prstGeom prst="rect">
+            <a:avLst/>
+          </a:prstGeom>
+        </p:spPr>
+        <p:txBody>
+          <a:bodyPr wrap="square" anchor="t" anchorCtr="0">
+            <a:spAutoFit/>
+          </a:bodyPr>
+          <a:lstStyle>
+            <a:lvl1pPr marL="0" indent="0" algn="l" defTabSz="914400" rtl="0" eaLnBrk="1" latinLnBrk="0" hangingPunct="1">
+              <a:lnSpc>
+                <a:spcPct val="100000"/>
+              </a:lnSpc>
+              <a:spcBef>
+                <a:spcPts val="0"/>
+              </a:spcBef>
+              <a:spcAft>
+                <a:spcPts val="600"/>
+              </a:spcAft>
+              <a:buFont typeface="Arial" panose="020B0604020202020204" pitchFamily="34" charset="0"/>
+              <a:buNone/>
+              <a:defRPr sz="1600" b="1" kern="1200">
+                <a:solidFill>
+                  <a:srgbClr val="00BBEE"/>
+                </a:solidFill>
+                <a:latin typeface="Montserrat" panose="00000500000000000000" pitchFamily="2" charset="-52"/>
+                <a:ea typeface="+mn-ea"/>
+                <a:cs typeface="+mn-cs"/>
+              </a:defRPr>
+            </a:lvl1pPr>
+            <a:lvl2pPr marL="685800" indent="-228600" algn="l" defTabSz="914400" rtl="0" eaLnBrk="1" latinLnBrk="0" hangingPunct="1">
+              <a:lnSpc>
+                <a:spcPct val="100000"/>
+              </a:lnSpc>
+              <a:spcBef>
+                <a:spcPts val="0"/>
+              </a:spcBef>
+              <a:spcAft>
+                <a:spcPts val="600"/>
+              </a:spcAft>
+              <a:buFont typeface="Arial" panose="020B0604020202020204" pitchFamily="34" charset="0"/>
+              <a:buChar char="•"/>
+              <a:defRPr sz="1400" b="0" kern="1200">
+                <a:solidFill>
+                  <a:srgbClr val="222A3F"/>
+                </a:solidFill>
+                <a:latin typeface="Montserrat" panose="00000500000000000000" pitchFamily="2" charset="-52"/>
+                <a:ea typeface="+mn-ea"/>
+                <a:cs typeface="+mn-cs"/>
+              </a:defRPr>
+            </a:lvl2pPr>
+            <a:lvl3pPr marL="1143000" indent="-228600" algn="l" defTabSz="914400" rtl="0" eaLnBrk="1" latinLnBrk="0" hangingPunct="1">
+              <a:lnSpc>
+                <a:spcPct val="90000"/>
+              </a:lnSpc>
+              <a:spcBef>
+                <a:spcPts val="500"/>
+              </a:spcBef>
+              <a:buFont typeface="Arial" panose="020B0604020202020204" pitchFamily="34" charset="0"/>
+              <a:buChar char="•"/>
+              <a:defRPr sz="2000" kern="1200">
+                <a:solidFill>
+                  <a:schemeClr val="tx1"/>
+                </a:solidFill>
+                <a:latin typeface="+mn-lt"/>
+                <a:ea typeface="+mn-ea"/>
+                <a:cs typeface="+mn-cs"/>
+              </a:defRPr>
+            </a:lvl3pPr>
+            <a:lvl4pPr marL="1600200" indent="-228600" algn="l" defTabSz="914400" rtl="0" eaLnBrk="1" latinLnBrk="0" hangingPunct="1">
+              <a:lnSpc>
+                <a:spcPct val="90000"/>
+              </a:lnSpc>
+              <a:spcBef>
+                <a:spcPts val="500"/>
+              </a:spcBef>
+              <a:buFont typeface="Arial" panose="020B0604020202020204" pitchFamily="34" charset="0"/>
+              <a:buChar char="•"/>
+              <a:defRPr sz="1800" kern="1200">
+                <a:solidFill>
+                  <a:schemeClr val="tx1"/>
+                </a:solidFill>
+                <a:latin typeface="+mn-lt"/>
+                <a:ea typeface="+mn-ea"/>
+                <a:cs typeface="+mn-cs"/>
+              </a:defRPr>
+            </a:lvl4pPr>
+            <a:lvl5pPr marL="2057400" indent="-228600" algn="l" defTabSz="914400" rtl="0" eaLnBrk="1" latinLnBrk="0" hangingPunct="1">
+              <a:lnSpc>
+                <a:spcPct val="90000"/>
+              </a:lnSpc>
+              <a:spcBef>
+                <a:spcPts val="500"/>
+              </a:spcBef>
+              <a:buFont typeface="Arial" panose="020B0604020202020204" pitchFamily="34" charset="0"/>
+              <a:buChar char="•"/>
+              <a:defRPr sz="1800" kern="1200">
+                <a:solidFill>
+                  <a:schemeClr val="tx1"/>
+                </a:solidFill>
+                <a:latin typeface="+mn-lt"/>
+                <a:ea typeface="+mn-ea"/>
+                <a:cs typeface="+mn-cs"/>
+              </a:defRPr>
+            </a:lvl5pPr>
+            <a:lvl6pPr marL="2514600" indent="-228600" algn="l" defTabSz="914400" rtl="0" eaLnBrk="1" latinLnBrk="0" hangingPunct="1">
+              <a:lnSpc>
+                <a:spcPct val="90000"/>
+              </a:lnSpc>
+              <a:spcBef>
+                <a:spcPts val="500"/>
+              </a:spcBef>
+              <a:buFont typeface="Arial" panose="020B0604020202020204" pitchFamily="34" charset="0"/>
+              <a:buChar char="•"/>
+              <a:defRPr sz="1800" kern="1200">
+                <a:solidFill>
+                  <a:schemeClr val="tx1"/>
+                </a:solidFill>
+                <a:latin typeface="+mn-lt"/>
+                <a:ea typeface="+mn-ea"/>
+                <a:cs typeface="+mn-cs"/>
+              </a:defRPr>
+            </a:lvl6pPr>
+            <a:lvl7pPr marL="2971800" indent="-228600" algn="l" defTabSz="914400" rtl="0" eaLnBrk="1" latinLnBrk="0" hangingPunct="1">
+              <a:lnSpc>
+                <a:spcPct val="90000"/>
+              </a:lnSpc>
+              <a:spcBef>
+                <a:spcPts val="500"/>
+              </a:spcBef>
+              <a:buFont typeface="Arial" panose="020B0604020202020204" pitchFamily="34" charset="0"/>
+              <a:buChar char="•"/>
+              <a:defRPr sz="1800" kern="1200">
+                <a:solidFill>
+                  <a:schemeClr val="tx1"/>
+                </a:solidFill>
+                <a:latin typeface="+mn-lt"/>
+                <a:ea typeface="+mn-ea"/>
+                <a:cs typeface="+mn-cs"/>
+              </a:defRPr>
+            </a:lvl7pPr>
+            <a:lvl8pPr marL="3429000" indent="-228600" algn="l" defTabSz="914400" rtl="0" eaLnBrk="1" latinLnBrk="0" hangingPunct="1">
+              <a:lnSpc>
+                <a:spcPct val="90000"/>
+              </a:lnSpc>
+              <a:spcBef>
+                <a:spcPts val="500"/>
+              </a:spcBef>
+              <a:buFont typeface="Arial" panose="020B0604020202020204" pitchFamily="34" charset="0"/>
+              <a:buChar char="•"/>
+              <a:defRPr sz="1800" kern="1200">
+                <a:solidFill>
+                  <a:schemeClr val="tx1"/>
+                </a:solidFill>
+                <a:latin typeface="+mn-lt"/>
+                <a:ea typeface="+mn-ea"/>
+                <a:cs typeface="+mn-cs"/>
+              </a:defRPr>
+            </a:lvl8pPr>
+            <a:lvl9pPr marL="3886200" indent="-228600" algn="l" defTabSz="914400" rtl="0" eaLnBrk="1" latinLnBrk="0" hangingPunct="1">
+              <a:lnSpc>
+                <a:spcPct val="90000"/>
+              </a:lnSpc>
+              <a:spcBef>
+                <a:spcPts val="500"/>
+              </a:spcBef>
+              <a:buFont typeface="Arial" panose="020B0604020202020204" pitchFamily="34" charset="0"/>
+              <a:buChar char="•"/>
+              <a:defRPr sz="1800" kern="1200">
+                <a:solidFill>
+                  <a:schemeClr val="tx1"/>
+                </a:solidFill>
+                <a:latin typeface="+mn-lt"/>
+                <a:ea typeface="+mn-ea"/>
+                <a:cs typeface="+mn-cs"/>
+              </a:defRPr>
+            </a:lvl9pPr>
+          </a:lstStyle>
+          <a:p>
+            <a:r>
+              <a:rPr lang="en-US" sz="1800" dirty="0"/>
+              <a:t>Backend</a:t>
+            </a:r>
+            <a:endParaRPr lang="ru-RU" sz="1800" dirty="0"/>
+          </a:p>
+        </p:txBody>
+      </p:sp>
+      <p:sp>
+        <p:nvSpPr>
+          <p:cNvPr id="6" name="Текст 3">
+            <a:extLst>
+              <a:ext uri="{FF2B5EF4-FFF2-40B4-BE49-F238E27FC236}">
+                <a16:creationId xmlns:a16="http://schemas.microsoft.com/office/drawing/2014/main" id="{CC9D93DA-844C-48BE-BD23-4D7330CD3BB4}"/>
+              </a:ext>
+            </a:extLst>
+          </p:cNvPr>
+          <p:cNvSpPr txBox="1">
+            <a:spLocks/>
+          </p:cNvSpPr>
+          <p:nvPr/>
+        </p:nvSpPr>
+        <p:spPr>
+          <a:xfrm>
+            <a:off x="2114052" y="2811183"/>
+            <a:ext cx="2579868" cy="892552"/>
+          </a:xfrm>
+          <a:prstGeom prst="rect">
+            <a:avLst/>
+          </a:prstGeom>
+        </p:spPr>
+        <p:txBody>
+          <a:bodyPr wrap="square">
+            <a:spAutoFit/>
+          </a:bodyPr>
+          <a:lstStyle>
+            <a:lvl1pPr marL="0" indent="0" algn="l" defTabSz="914400" rtl="0" eaLnBrk="1" latinLnBrk="0" hangingPunct="1">
+              <a:lnSpc>
+                <a:spcPct val="100000"/>
+              </a:lnSpc>
+              <a:spcBef>
+                <a:spcPts val="0"/>
+              </a:spcBef>
+              <a:spcAft>
+                <a:spcPts val="600"/>
+              </a:spcAft>
+              <a:buFont typeface="Arial" panose="020B0604020202020204" pitchFamily="34" charset="0"/>
+              <a:buNone/>
+              <a:defRPr sz="1400" kern="1200">
+                <a:solidFill>
+                  <a:srgbClr val="222A3F"/>
+                </a:solidFill>
+                <a:latin typeface="Montserrat" panose="00000500000000000000" pitchFamily="2" charset="-52"/>
+                <a:ea typeface="+mn-ea"/>
+                <a:cs typeface="+mn-cs"/>
+              </a:defRPr>
+            </a:lvl1pPr>
+            <a:lvl2pPr marL="685800" indent="-228600" algn="l" defTabSz="914400" rtl="0" eaLnBrk="1" latinLnBrk="0" hangingPunct="1">
+              <a:lnSpc>
+                <a:spcPct val="90000"/>
+              </a:lnSpc>
+              <a:spcBef>
+                <a:spcPts val="500"/>
+              </a:spcBef>
+              <a:buFont typeface="Arial" panose="020B0604020202020204" pitchFamily="34" charset="0"/>
+              <a:buChar char="•"/>
+              <a:defRPr sz="2400" kern="1200">
+                <a:solidFill>
+                  <a:schemeClr val="tx1"/>
+                </a:solidFill>
+                <a:latin typeface="+mn-lt"/>
+                <a:ea typeface="+mn-ea"/>
+                <a:cs typeface="+mn-cs"/>
+              </a:defRPr>
+            </a:lvl2pPr>
+            <a:lvl3pPr marL="1143000" indent="-228600" algn="l" defTabSz="914400" rtl="0" eaLnBrk="1" latinLnBrk="0" hangingPunct="1">
+              <a:lnSpc>
+                <a:spcPct val="90000"/>
+              </a:lnSpc>
+              <a:spcBef>
+                <a:spcPts val="500"/>
+              </a:spcBef>
+              <a:buFont typeface="Arial" panose="020B0604020202020204" pitchFamily="34" charset="0"/>
+              <a:buChar char="•"/>
+              <a:defRPr sz="2000" kern="1200">
+                <a:solidFill>
+                  <a:schemeClr val="tx1"/>
+                </a:solidFill>
+                <a:latin typeface="+mn-lt"/>
+                <a:ea typeface="+mn-ea"/>
+                <a:cs typeface="+mn-cs"/>
+              </a:defRPr>
+            </a:lvl3pPr>
+            <a:lvl4pPr marL="1600200" indent="-228600" algn="l" defTabSz="914400" rtl="0" eaLnBrk="1" latinLnBrk="0" hangingPunct="1">
+              <a:lnSpc>
+                <a:spcPct val="90000"/>
+              </a:lnSpc>
+              <a:spcBef>
+                <a:spcPts val="500"/>
+              </a:spcBef>
+              <a:buFont typeface="Arial" panose="020B0604020202020204" pitchFamily="34" charset="0"/>
+              <a:buChar char="•"/>
+              <a:defRPr sz="1800" kern="1200">
+                <a:solidFill>
+                  <a:schemeClr val="tx1"/>
+                </a:solidFill>
+                <a:latin typeface="+mn-lt"/>
+                <a:ea typeface="+mn-ea"/>
+                <a:cs typeface="+mn-cs"/>
+              </a:defRPr>
+            </a:lvl4pPr>
+            <a:lvl5pPr marL="2057400" indent="-228600" algn="l" defTabSz="914400" rtl="0" eaLnBrk="1" latinLnBrk="0" hangingPunct="1">
+              <a:lnSpc>
+                <a:spcPct val="90000"/>
+              </a:lnSpc>
+              <a:spcBef>
+                <a:spcPts val="500"/>
+              </a:spcBef>
+              <a:buFont typeface="Arial" panose="020B0604020202020204" pitchFamily="34" charset="0"/>
+              <a:buChar char="•"/>
+              <a:defRPr sz="1800" kern="1200">
+                <a:solidFill>
+                  <a:schemeClr val="tx1"/>
+                </a:solidFill>
+                <a:latin typeface="+mn-lt"/>
+                <a:ea typeface="+mn-ea"/>
+                <a:cs typeface="+mn-cs"/>
+              </a:defRPr>
+            </a:lvl5pPr>
+            <a:lvl6pPr marL="2514600" indent="-228600" algn="l" defTabSz="914400" rtl="0" eaLnBrk="1" latinLnBrk="0" hangingPunct="1">
+              <a:lnSpc>
+                <a:spcPct val="90000"/>
+              </a:lnSpc>
+              <a:spcBef>
+                <a:spcPts val="500"/>
+              </a:spcBef>
+              <a:buFont typeface="Arial" panose="020B0604020202020204" pitchFamily="34" charset="0"/>
+              <a:buChar char="•"/>
+              <a:defRPr sz="1800" kern="1200">
+                <a:solidFill>
+                  <a:schemeClr val="tx1"/>
+                </a:solidFill>
+                <a:latin typeface="+mn-lt"/>
+                <a:ea typeface="+mn-ea"/>
+                <a:cs typeface="+mn-cs"/>
+              </a:defRPr>
+            </a:lvl6pPr>
+            <a:lvl7pPr marL="2971800" indent="-228600" algn="l" defTabSz="914400" rtl="0" eaLnBrk="1" latinLnBrk="0" hangingPunct="1">
+              <a:lnSpc>
+                <a:spcPct val="90000"/>
+              </a:lnSpc>
+              <a:spcBef>
+                <a:spcPts val="500"/>
+              </a:spcBef>
+              <a:buFont typeface="Arial" panose="020B0604020202020204" pitchFamily="34" charset="0"/>
+              <a:buChar char="•"/>
+              <a:defRPr sz="1800" kern="1200">
+                <a:solidFill>
+                  <a:schemeClr val="tx1"/>
+                </a:solidFill>
+                <a:latin typeface="+mn-lt"/>
+                <a:ea typeface="+mn-ea"/>
+                <a:cs typeface="+mn-cs"/>
+              </a:defRPr>
+            </a:lvl7pPr>
+            <a:lvl8pPr marL="3429000" indent="-228600" algn="l" defTabSz="914400" rtl="0" eaLnBrk="1" latinLnBrk="0" hangingPunct="1">
+              <a:lnSpc>
+                <a:spcPct val="90000"/>
+              </a:lnSpc>
+              <a:spcBef>
+                <a:spcPts val="500"/>
+              </a:spcBef>
+              <a:buFont typeface="Arial" panose="020B0604020202020204" pitchFamily="34" charset="0"/>
+              <a:buChar char="•"/>
+              <a:defRPr sz="1800" kern="1200">
+                <a:solidFill>
+                  <a:schemeClr val="tx1"/>
+                </a:solidFill>
+                <a:latin typeface="+mn-lt"/>
+                <a:ea typeface="+mn-ea"/>
+                <a:cs typeface="+mn-cs"/>
+              </a:defRPr>
+            </a:lvl8pPr>
+            <a:lvl9pPr marL="3886200" indent="-228600" algn="l" defTabSz="914400" rtl="0" eaLnBrk="1" latinLnBrk="0" hangingPunct="1">
+              <a:lnSpc>
+                <a:spcPct val="90000"/>
+              </a:lnSpc>
+              <a:spcBef>
+                <a:spcPts val="500"/>
+              </a:spcBef>
+              <a:buFont typeface="Arial" panose="020B0604020202020204" pitchFamily="34" charset="0"/>
+              <a:buChar char="•"/>
+              <a:defRPr sz="1800" kern="1200">
+                <a:solidFill>
+                  <a:schemeClr val="tx1"/>
+                </a:solidFill>
+                <a:latin typeface="+mn-lt"/>
+                <a:ea typeface="+mn-ea"/>
+                <a:cs typeface="+mn-cs"/>
+              </a:defRPr>
+            </a:lvl9pPr>
+          </a:lstStyle>
+          <a:p>
+            <a:pPr marL="285750" indent="-285750">
               <a:buFont typeface="Arial" panose="020B0604020202020204" pitchFamily="34" charset="0"/>
               <a:buChar char="•"/>
             </a:pPr>
             <a:r>
-              <a:rPr lang="ru-RU" sz="2200" dirty="0"/>
-              <a:t>Во время анализа предметной области, были рассмотрены следующие определения</a:t>
-            </a:r>
-            <a:r>
-              <a:rPr lang="en-US" sz="2200" dirty="0"/>
-              <a:t>: HTTP, REST, API</a:t>
-            </a:r>
-            <a:r>
-              <a:rPr lang="ru-RU" sz="2200" dirty="0"/>
-              <a:t>, методы предоставляющие </a:t>
-            </a:r>
-            <a:r>
-              <a:rPr lang="en-US" sz="2200" dirty="0"/>
-              <a:t>HTTP</a:t>
-            </a:r>
-            <a:r>
-              <a:rPr lang="ru-RU" sz="2200" dirty="0"/>
-              <a:t> и статус коды данного протокола.</a:t>
-            </a:r>
-          </a:p>
-          <a:p>
-            <a:pPr marL="342900" indent="-342900">
+              <a:rPr lang="en-US" dirty="0"/>
+              <a:t>Python 3.7</a:t>
+            </a:r>
+          </a:p>
+          <a:p>
+            <a:pPr marL="285750" indent="-285750">
               <a:buFont typeface="Arial" panose="020B0604020202020204" pitchFamily="34" charset="0"/>
               <a:buChar char="•"/>
             </a:pPr>
             <a:r>
-              <a:rPr lang="ru-RU" sz="2200" dirty="0"/>
-              <a:t>Проанализированы варианты создания </a:t>
-            </a:r>
-            <a:r>
-              <a:rPr lang="en-US" sz="2200" dirty="0"/>
-              <a:t>RESTful </a:t>
-            </a:r>
-            <a:r>
-              <a:rPr lang="ru-RU" sz="2200" dirty="0"/>
-              <a:t>сервисов.</a:t>
+              <a:rPr lang="en-US" dirty="0"/>
+              <a:t>Django framework</a:t>
+            </a:r>
+          </a:p>
+          <a:p>
+            <a:pPr marL="285750" indent="-285750">
+              <a:buFont typeface="Arial" panose="020B0604020202020204" pitchFamily="34" charset="0"/>
+              <a:buChar char="•"/>
+            </a:pPr>
+            <a:r>
+              <a:rPr lang="en-US" dirty="0"/>
+              <a:t>Django rest framework</a:t>
+            </a:r>
+          </a:p>
+        </p:txBody>
+      </p:sp>
+      <p:sp>
+        <p:nvSpPr>
+          <p:cNvPr id="7" name="Текст 2">
+            <a:extLst>
+              <a:ext uri="{FF2B5EF4-FFF2-40B4-BE49-F238E27FC236}">
+                <a16:creationId xmlns:a16="http://schemas.microsoft.com/office/drawing/2014/main" id="{75D3C86A-08FB-418C-B720-692F6DF8BC2D}"/>
+              </a:ext>
+            </a:extLst>
+          </p:cNvPr>
+          <p:cNvSpPr txBox="1">
+            <a:spLocks/>
+          </p:cNvSpPr>
+          <p:nvPr/>
+        </p:nvSpPr>
+        <p:spPr>
+          <a:xfrm>
+            <a:off x="2114052" y="3923315"/>
+            <a:ext cx="2579868" cy="369332"/>
+          </a:xfrm>
+          <a:prstGeom prst="rect">
+            <a:avLst/>
+          </a:prstGeom>
+        </p:spPr>
+        <p:txBody>
+          <a:bodyPr wrap="square" anchor="t" anchorCtr="0">
+            <a:spAutoFit/>
+          </a:bodyPr>
+          <a:lstStyle>
+            <a:lvl1pPr marL="0" indent="0" algn="l" defTabSz="914400" rtl="0" eaLnBrk="1" latinLnBrk="0" hangingPunct="1">
+              <a:lnSpc>
+                <a:spcPct val="100000"/>
+              </a:lnSpc>
+              <a:spcBef>
+                <a:spcPts val="0"/>
+              </a:spcBef>
+              <a:spcAft>
+                <a:spcPts val="600"/>
+              </a:spcAft>
+              <a:buFont typeface="Arial" panose="020B0604020202020204" pitchFamily="34" charset="0"/>
+              <a:buNone/>
+              <a:defRPr sz="1600" b="1" kern="1200">
+                <a:solidFill>
+                  <a:srgbClr val="00BBEE"/>
+                </a:solidFill>
+                <a:latin typeface="Montserrat" panose="00000500000000000000" pitchFamily="2" charset="-52"/>
+                <a:ea typeface="+mn-ea"/>
+                <a:cs typeface="+mn-cs"/>
+              </a:defRPr>
+            </a:lvl1pPr>
+            <a:lvl2pPr marL="685800" indent="-228600" algn="l" defTabSz="914400" rtl="0" eaLnBrk="1" latinLnBrk="0" hangingPunct="1">
+              <a:lnSpc>
+                <a:spcPct val="100000"/>
+              </a:lnSpc>
+              <a:spcBef>
+                <a:spcPts val="0"/>
+              </a:spcBef>
+              <a:spcAft>
+                <a:spcPts val="600"/>
+              </a:spcAft>
+              <a:buFont typeface="Arial" panose="020B0604020202020204" pitchFamily="34" charset="0"/>
+              <a:buChar char="•"/>
+              <a:defRPr sz="1400" b="0" kern="1200">
+                <a:solidFill>
+                  <a:srgbClr val="222A3F"/>
+                </a:solidFill>
+                <a:latin typeface="Montserrat" panose="00000500000000000000" pitchFamily="2" charset="-52"/>
+                <a:ea typeface="+mn-ea"/>
+                <a:cs typeface="+mn-cs"/>
+              </a:defRPr>
+            </a:lvl2pPr>
+            <a:lvl3pPr marL="1143000" indent="-228600" algn="l" defTabSz="914400" rtl="0" eaLnBrk="1" latinLnBrk="0" hangingPunct="1">
+              <a:lnSpc>
+                <a:spcPct val="90000"/>
+              </a:lnSpc>
+              <a:spcBef>
+                <a:spcPts val="500"/>
+              </a:spcBef>
+              <a:buFont typeface="Arial" panose="020B0604020202020204" pitchFamily="34" charset="0"/>
+              <a:buChar char="•"/>
+              <a:defRPr sz="2000" kern="1200">
+                <a:solidFill>
+                  <a:schemeClr val="tx1"/>
+                </a:solidFill>
+                <a:latin typeface="+mn-lt"/>
+                <a:ea typeface="+mn-ea"/>
+                <a:cs typeface="+mn-cs"/>
+              </a:defRPr>
+            </a:lvl3pPr>
+            <a:lvl4pPr marL="1600200" indent="-228600" algn="l" defTabSz="914400" rtl="0" eaLnBrk="1" latinLnBrk="0" hangingPunct="1">
+              <a:lnSpc>
+                <a:spcPct val="90000"/>
+              </a:lnSpc>
+              <a:spcBef>
+                <a:spcPts val="500"/>
+              </a:spcBef>
+              <a:buFont typeface="Arial" panose="020B0604020202020204" pitchFamily="34" charset="0"/>
+              <a:buChar char="•"/>
+              <a:defRPr sz="1800" kern="1200">
+                <a:solidFill>
+                  <a:schemeClr val="tx1"/>
+                </a:solidFill>
+                <a:latin typeface="+mn-lt"/>
+                <a:ea typeface="+mn-ea"/>
+                <a:cs typeface="+mn-cs"/>
+              </a:defRPr>
+            </a:lvl4pPr>
+            <a:lvl5pPr marL="2057400" indent="-228600" algn="l" defTabSz="914400" rtl="0" eaLnBrk="1" latinLnBrk="0" hangingPunct="1">
+              <a:lnSpc>
+                <a:spcPct val="90000"/>
+              </a:lnSpc>
+              <a:spcBef>
+                <a:spcPts val="500"/>
+              </a:spcBef>
+              <a:buFont typeface="Arial" panose="020B0604020202020204" pitchFamily="34" charset="0"/>
+              <a:buChar char="•"/>
+              <a:defRPr sz="1800" kern="1200">
+                <a:solidFill>
+                  <a:schemeClr val="tx1"/>
+                </a:solidFill>
+                <a:latin typeface="+mn-lt"/>
+                <a:ea typeface="+mn-ea"/>
+                <a:cs typeface="+mn-cs"/>
+              </a:defRPr>
+            </a:lvl5pPr>
+            <a:lvl6pPr marL="2514600" indent="-228600" algn="l" defTabSz="914400" rtl="0" eaLnBrk="1" latinLnBrk="0" hangingPunct="1">
+              <a:lnSpc>
+                <a:spcPct val="90000"/>
+              </a:lnSpc>
+              <a:spcBef>
+                <a:spcPts val="500"/>
+              </a:spcBef>
+              <a:buFont typeface="Arial" panose="020B0604020202020204" pitchFamily="34" charset="0"/>
+              <a:buChar char="•"/>
+              <a:defRPr sz="1800" kern="1200">
+                <a:solidFill>
+                  <a:schemeClr val="tx1"/>
+                </a:solidFill>
+                <a:latin typeface="+mn-lt"/>
+                <a:ea typeface="+mn-ea"/>
+                <a:cs typeface="+mn-cs"/>
+              </a:defRPr>
+            </a:lvl6pPr>
+            <a:lvl7pPr marL="2971800" indent="-228600" algn="l" defTabSz="914400" rtl="0" eaLnBrk="1" latinLnBrk="0" hangingPunct="1">
+              <a:lnSpc>
+                <a:spcPct val="90000"/>
+              </a:lnSpc>
+              <a:spcBef>
+                <a:spcPts val="500"/>
+              </a:spcBef>
+              <a:buFont typeface="Arial" panose="020B0604020202020204" pitchFamily="34" charset="0"/>
+              <a:buChar char="•"/>
+              <a:defRPr sz="1800" kern="1200">
+                <a:solidFill>
+                  <a:schemeClr val="tx1"/>
+                </a:solidFill>
+                <a:latin typeface="+mn-lt"/>
+                <a:ea typeface="+mn-ea"/>
+                <a:cs typeface="+mn-cs"/>
+              </a:defRPr>
+            </a:lvl7pPr>
+            <a:lvl8pPr marL="3429000" indent="-228600" algn="l" defTabSz="914400" rtl="0" eaLnBrk="1" latinLnBrk="0" hangingPunct="1">
+              <a:lnSpc>
+                <a:spcPct val="90000"/>
+              </a:lnSpc>
+              <a:spcBef>
+                <a:spcPts val="500"/>
+              </a:spcBef>
+              <a:buFont typeface="Arial" panose="020B0604020202020204" pitchFamily="34" charset="0"/>
+              <a:buChar char="•"/>
+              <a:defRPr sz="1800" kern="1200">
+                <a:solidFill>
+                  <a:schemeClr val="tx1"/>
+                </a:solidFill>
+                <a:latin typeface="+mn-lt"/>
+                <a:ea typeface="+mn-ea"/>
+                <a:cs typeface="+mn-cs"/>
+              </a:defRPr>
+            </a:lvl8pPr>
+            <a:lvl9pPr marL="3886200" indent="-228600" algn="l" defTabSz="914400" rtl="0" eaLnBrk="1" latinLnBrk="0" hangingPunct="1">
+              <a:lnSpc>
+                <a:spcPct val="90000"/>
+              </a:lnSpc>
+              <a:spcBef>
+                <a:spcPts val="500"/>
+              </a:spcBef>
+              <a:buFont typeface="Arial" panose="020B0604020202020204" pitchFamily="34" charset="0"/>
+              <a:buChar char="•"/>
+              <a:defRPr sz="1800" kern="1200">
+                <a:solidFill>
+                  <a:schemeClr val="tx1"/>
+                </a:solidFill>
+                <a:latin typeface="+mn-lt"/>
+                <a:ea typeface="+mn-ea"/>
+                <a:cs typeface="+mn-cs"/>
+              </a:defRPr>
+            </a:lvl9pPr>
+          </a:lstStyle>
+          <a:p>
+            <a:r>
+              <a:rPr lang="en-US" sz="1800" dirty="0"/>
+              <a:t>Frontend</a:t>
+            </a:r>
+            <a:endParaRPr lang="ru-RU" sz="1800" dirty="0"/>
+          </a:p>
+        </p:txBody>
+      </p:sp>
+      <p:sp>
+        <p:nvSpPr>
+          <p:cNvPr id="8" name="Текст 3">
+            <a:extLst>
+              <a:ext uri="{FF2B5EF4-FFF2-40B4-BE49-F238E27FC236}">
+                <a16:creationId xmlns:a16="http://schemas.microsoft.com/office/drawing/2014/main" id="{4AA9BFAB-9E17-468A-8B87-9F7B53C9C9B0}"/>
+              </a:ext>
+            </a:extLst>
+          </p:cNvPr>
+          <p:cNvSpPr txBox="1">
+            <a:spLocks/>
+          </p:cNvSpPr>
+          <p:nvPr/>
+        </p:nvSpPr>
+        <p:spPr>
+          <a:xfrm>
+            <a:off x="2114052" y="4292647"/>
+            <a:ext cx="2579868" cy="600164"/>
+          </a:xfrm>
+          <a:prstGeom prst="rect">
+            <a:avLst/>
+          </a:prstGeom>
+        </p:spPr>
+        <p:txBody>
+          <a:bodyPr wrap="square">
+            <a:spAutoFit/>
+          </a:bodyPr>
+          <a:lstStyle>
+            <a:lvl1pPr marL="0" indent="0" algn="l" defTabSz="914400" rtl="0" eaLnBrk="1" latinLnBrk="0" hangingPunct="1">
+              <a:lnSpc>
+                <a:spcPct val="100000"/>
+              </a:lnSpc>
+              <a:spcBef>
+                <a:spcPts val="0"/>
+              </a:spcBef>
+              <a:spcAft>
+                <a:spcPts val="600"/>
+              </a:spcAft>
+              <a:buFont typeface="Arial" panose="020B0604020202020204" pitchFamily="34" charset="0"/>
+              <a:buNone/>
+              <a:defRPr sz="1400" kern="1200">
+                <a:solidFill>
+                  <a:srgbClr val="222A3F"/>
+                </a:solidFill>
+                <a:latin typeface="Montserrat" panose="00000500000000000000" pitchFamily="2" charset="-52"/>
+                <a:ea typeface="+mn-ea"/>
+                <a:cs typeface="+mn-cs"/>
+              </a:defRPr>
+            </a:lvl1pPr>
+            <a:lvl2pPr marL="685800" indent="-228600" algn="l" defTabSz="914400" rtl="0" eaLnBrk="1" latinLnBrk="0" hangingPunct="1">
+              <a:lnSpc>
+                <a:spcPct val="90000"/>
+              </a:lnSpc>
+              <a:spcBef>
+                <a:spcPts val="500"/>
+              </a:spcBef>
+              <a:buFont typeface="Arial" panose="020B0604020202020204" pitchFamily="34" charset="0"/>
+              <a:buChar char="•"/>
+              <a:defRPr sz="2400" kern="1200">
+                <a:solidFill>
+                  <a:schemeClr val="tx1"/>
+                </a:solidFill>
+                <a:latin typeface="+mn-lt"/>
+                <a:ea typeface="+mn-ea"/>
+                <a:cs typeface="+mn-cs"/>
+              </a:defRPr>
+            </a:lvl2pPr>
+            <a:lvl3pPr marL="1143000" indent="-228600" algn="l" defTabSz="914400" rtl="0" eaLnBrk="1" latinLnBrk="0" hangingPunct="1">
+              <a:lnSpc>
+                <a:spcPct val="90000"/>
+              </a:lnSpc>
+              <a:spcBef>
+                <a:spcPts val="500"/>
+              </a:spcBef>
+              <a:buFont typeface="Arial" panose="020B0604020202020204" pitchFamily="34" charset="0"/>
+              <a:buChar char="•"/>
+              <a:defRPr sz="2000" kern="1200">
+                <a:solidFill>
+                  <a:schemeClr val="tx1"/>
+                </a:solidFill>
+                <a:latin typeface="+mn-lt"/>
+                <a:ea typeface="+mn-ea"/>
+                <a:cs typeface="+mn-cs"/>
+              </a:defRPr>
+            </a:lvl3pPr>
+            <a:lvl4pPr marL="1600200" indent="-228600" algn="l" defTabSz="914400" rtl="0" eaLnBrk="1" latinLnBrk="0" hangingPunct="1">
+              <a:lnSpc>
+                <a:spcPct val="90000"/>
+              </a:lnSpc>
+              <a:spcBef>
+                <a:spcPts val="500"/>
+              </a:spcBef>
+              <a:buFont typeface="Arial" panose="020B0604020202020204" pitchFamily="34" charset="0"/>
+              <a:buChar char="•"/>
+              <a:defRPr sz="1800" kern="1200">
+                <a:solidFill>
+                  <a:schemeClr val="tx1"/>
+                </a:solidFill>
+                <a:latin typeface="+mn-lt"/>
+                <a:ea typeface="+mn-ea"/>
+                <a:cs typeface="+mn-cs"/>
+              </a:defRPr>
+            </a:lvl4pPr>
+            <a:lvl5pPr marL="2057400" indent="-228600" algn="l" defTabSz="914400" rtl="0" eaLnBrk="1" latinLnBrk="0" hangingPunct="1">
+              <a:lnSpc>
+                <a:spcPct val="90000"/>
+              </a:lnSpc>
+              <a:spcBef>
+                <a:spcPts val="500"/>
+              </a:spcBef>
+              <a:buFont typeface="Arial" panose="020B0604020202020204" pitchFamily="34" charset="0"/>
+              <a:buChar char="•"/>
+              <a:defRPr sz="1800" kern="1200">
+                <a:solidFill>
+                  <a:schemeClr val="tx1"/>
+                </a:solidFill>
+                <a:latin typeface="+mn-lt"/>
+                <a:ea typeface="+mn-ea"/>
+                <a:cs typeface="+mn-cs"/>
+              </a:defRPr>
+            </a:lvl5pPr>
+            <a:lvl6pPr marL="2514600" indent="-228600" algn="l" defTabSz="914400" rtl="0" eaLnBrk="1" latinLnBrk="0" hangingPunct="1">
+              <a:lnSpc>
+                <a:spcPct val="90000"/>
+              </a:lnSpc>
+              <a:spcBef>
+                <a:spcPts val="500"/>
+              </a:spcBef>
+              <a:buFont typeface="Arial" panose="020B0604020202020204" pitchFamily="34" charset="0"/>
+              <a:buChar char="•"/>
+              <a:defRPr sz="1800" kern="1200">
+                <a:solidFill>
+                  <a:schemeClr val="tx1"/>
+                </a:solidFill>
+                <a:latin typeface="+mn-lt"/>
+                <a:ea typeface="+mn-ea"/>
+                <a:cs typeface="+mn-cs"/>
+              </a:defRPr>
+            </a:lvl6pPr>
+            <a:lvl7pPr marL="2971800" indent="-228600" algn="l" defTabSz="914400" rtl="0" eaLnBrk="1" latinLnBrk="0" hangingPunct="1">
+              <a:lnSpc>
+                <a:spcPct val="90000"/>
+              </a:lnSpc>
+              <a:spcBef>
+                <a:spcPts val="500"/>
+              </a:spcBef>
+              <a:buFont typeface="Arial" panose="020B0604020202020204" pitchFamily="34" charset="0"/>
+              <a:buChar char="•"/>
+              <a:defRPr sz="1800" kern="1200">
+                <a:solidFill>
+                  <a:schemeClr val="tx1"/>
+                </a:solidFill>
+                <a:latin typeface="+mn-lt"/>
+                <a:ea typeface="+mn-ea"/>
+                <a:cs typeface="+mn-cs"/>
+              </a:defRPr>
+            </a:lvl7pPr>
+            <a:lvl8pPr marL="3429000" indent="-228600" algn="l" defTabSz="914400" rtl="0" eaLnBrk="1" latinLnBrk="0" hangingPunct="1">
+              <a:lnSpc>
+                <a:spcPct val="90000"/>
+              </a:lnSpc>
+              <a:spcBef>
+                <a:spcPts val="500"/>
+              </a:spcBef>
+              <a:buFont typeface="Arial" panose="020B0604020202020204" pitchFamily="34" charset="0"/>
+              <a:buChar char="•"/>
+              <a:defRPr sz="1800" kern="1200">
+                <a:solidFill>
+                  <a:schemeClr val="tx1"/>
+                </a:solidFill>
+                <a:latin typeface="+mn-lt"/>
+                <a:ea typeface="+mn-ea"/>
+                <a:cs typeface="+mn-cs"/>
+              </a:defRPr>
+            </a:lvl8pPr>
+            <a:lvl9pPr marL="3886200" indent="-228600" algn="l" defTabSz="914400" rtl="0" eaLnBrk="1" latinLnBrk="0" hangingPunct="1">
+              <a:lnSpc>
+                <a:spcPct val="90000"/>
+              </a:lnSpc>
+              <a:spcBef>
+                <a:spcPts val="500"/>
+              </a:spcBef>
+              <a:buFont typeface="Arial" panose="020B0604020202020204" pitchFamily="34" charset="0"/>
+              <a:buChar char="•"/>
+              <a:defRPr sz="1800" kern="1200">
+                <a:solidFill>
+                  <a:schemeClr val="tx1"/>
+                </a:solidFill>
+                <a:latin typeface="+mn-lt"/>
+                <a:ea typeface="+mn-ea"/>
+                <a:cs typeface="+mn-cs"/>
+              </a:defRPr>
+            </a:lvl9pPr>
+          </a:lstStyle>
+          <a:p>
+            <a:pPr marL="285750" indent="-285750">
+              <a:buFont typeface="Arial" panose="020B0604020202020204" pitchFamily="34" charset="0"/>
+              <a:buChar char="•"/>
+            </a:pPr>
+            <a:r>
+              <a:rPr lang="en-US" dirty="0"/>
+              <a:t>JavaScript</a:t>
+            </a:r>
+          </a:p>
+          <a:p>
+            <a:pPr marL="285750" indent="-285750">
+              <a:buFont typeface="Arial" panose="020B0604020202020204" pitchFamily="34" charset="0"/>
+              <a:buChar char="•"/>
+            </a:pPr>
+            <a:r>
+              <a:rPr lang="en-US" dirty="0"/>
+              <a:t>Bootstrap</a:t>
             </a:r>
           </a:p>
         </p:txBody>
       </p:sp>
       <p:pic>
         <p:nvPicPr>
-          <p:cNvPr id="2052" name="Picture 4" descr="Бесплатное векторное изображение Дата-центр социальных сетей. статистика smm, исследования цифрового маркетинга, анализ рыночных тенденций. эксперт-женщина изучает результаты онлайн-опроса.">
+          <p:cNvPr id="9" name="Picture 2">
             <a:extLst>
               <a:ext uri="{FF2B5EF4-FFF2-40B4-BE49-F238E27FC236}">
-                <a16:creationId xmlns:a16="http://schemas.microsoft.com/office/drawing/2014/main" id="{74F80679-B629-4D27-9EAF-17DC855BCB8B}"/>
+                <a16:creationId xmlns:a16="http://schemas.microsoft.com/office/drawing/2014/main" id="{EC8A6D6D-CA65-404E-A48C-CAB9BD310928}"/>
               </a:ext>
             </a:extLst>
           </p:cNvPr>
@@ -4977,8 +6018,8 @@
         </p:blipFill>
         <p:spPr bwMode="auto">
           <a:xfrm>
-            <a:off x="7745535" y="1898570"/>
-            <a:ext cx="3975100" cy="3975100"/>
+            <a:off x="7200442" y="1320855"/>
+            <a:ext cx="2160265" cy="1350166"/>
           </a:xfrm>
           <a:prstGeom prst="rect">
             <a:avLst/>
@@ -4995,10 +6036,198 @@
           </a:extLst>
         </p:spPr>
       </p:pic>
+      <p:pic>
+        <p:nvPicPr>
+          <p:cNvPr id="10" name="Picture 6">
+            <a:extLst>
+              <a:ext uri="{FF2B5EF4-FFF2-40B4-BE49-F238E27FC236}">
+                <a16:creationId xmlns:a16="http://schemas.microsoft.com/office/drawing/2014/main" id="{B7BB07F4-B80F-4982-B52E-C91BE35A4D51}"/>
+              </a:ext>
+            </a:extLst>
+          </p:cNvPr>
+          <p:cNvPicPr>
+            <a:picLocks noChangeAspect="1" noChangeArrowheads="1"/>
+          </p:cNvPicPr>
+          <p:nvPr/>
+        </p:nvPicPr>
+        <p:blipFill>
+          <a:blip r:embed="rId3">
+            <a:extLst>
+              <a:ext uri="{28A0092B-C50C-407E-A947-70E740481C1C}">
+                <a14:useLocalDpi xmlns:a14="http://schemas.microsoft.com/office/drawing/2010/main" val="0"/>
+              </a:ext>
+            </a:extLst>
+          </a:blip>
+          <a:srcRect/>
+          <a:stretch>
+            <a:fillRect/>
+          </a:stretch>
+        </p:blipFill>
+        <p:spPr bwMode="auto">
+          <a:xfrm>
+            <a:off x="7318014" y="2811183"/>
+            <a:ext cx="1350166" cy="1350166"/>
+          </a:xfrm>
+          <a:prstGeom prst="rect">
+            <a:avLst/>
+          </a:prstGeom>
+          <a:noFill/>
+          <a:extLst>
+            <a:ext uri="{909E8E84-426E-40DD-AFC4-6F175D3DCCD1}">
+              <a14:hiddenFill xmlns:a14="http://schemas.microsoft.com/office/drawing/2010/main">
+                <a:solidFill>
+                  <a:srgbClr val="FFFFFF"/>
+                </a:solidFill>
+              </a14:hiddenFill>
+            </a:ext>
+          </a:extLst>
+        </p:spPr>
+      </p:pic>
+      <p:pic>
+        <p:nvPicPr>
+          <p:cNvPr id="11" name="Picture 8">
+            <a:extLst>
+              <a:ext uri="{FF2B5EF4-FFF2-40B4-BE49-F238E27FC236}">
+                <a16:creationId xmlns:a16="http://schemas.microsoft.com/office/drawing/2014/main" id="{06D829EF-DA9E-4A6D-9545-E5AADA947EB7}"/>
+              </a:ext>
+            </a:extLst>
+          </p:cNvPr>
+          <p:cNvPicPr>
+            <a:picLocks noChangeAspect="1" noChangeArrowheads="1"/>
+          </p:cNvPicPr>
+          <p:nvPr/>
+        </p:nvPicPr>
+        <p:blipFill>
+          <a:blip r:embed="rId4" cstate="print">
+            <a:extLst>
+              <a:ext uri="{28A0092B-C50C-407E-A947-70E740481C1C}">
+                <a14:useLocalDpi xmlns:a14="http://schemas.microsoft.com/office/drawing/2010/main" val="0"/>
+              </a:ext>
+            </a:extLst>
+          </a:blip>
+          <a:srcRect/>
+          <a:stretch>
+            <a:fillRect/>
+          </a:stretch>
+        </p:blipFill>
+        <p:spPr bwMode="auto">
+          <a:xfrm>
+            <a:off x="9670119" y="1859105"/>
+            <a:ext cx="1350166" cy="1350166"/>
+          </a:xfrm>
+          <a:prstGeom prst="rect">
+            <a:avLst/>
+          </a:prstGeom>
+          <a:noFill/>
+          <a:extLst>
+            <a:ext uri="{909E8E84-426E-40DD-AFC4-6F175D3DCCD1}">
+              <a14:hiddenFill xmlns:a14="http://schemas.microsoft.com/office/drawing/2010/main">
+                <a:solidFill>
+                  <a:srgbClr val="FFFFFF"/>
+                </a:solidFill>
+              </a14:hiddenFill>
+            </a:ext>
+          </a:extLst>
+        </p:spPr>
+      </p:pic>
+      <p:pic>
+        <p:nvPicPr>
+          <p:cNvPr id="12" name="Picture 2">
+            <a:extLst>
+              <a:ext uri="{FF2B5EF4-FFF2-40B4-BE49-F238E27FC236}">
+                <a16:creationId xmlns:a16="http://schemas.microsoft.com/office/drawing/2014/main" id="{B20D7EB3-DF88-4098-8C90-BA0BD161A504}"/>
+              </a:ext>
+            </a:extLst>
+          </p:cNvPr>
+          <p:cNvPicPr>
+            <a:picLocks noChangeAspect="1" noChangeArrowheads="1"/>
+          </p:cNvPicPr>
+          <p:nvPr/>
+        </p:nvPicPr>
+        <p:blipFill>
+          <a:blip r:embed="rId5" cstate="print">
+            <a:extLst>
+              <a:ext uri="{28A0092B-C50C-407E-A947-70E740481C1C}">
+                <a14:useLocalDpi xmlns:a14="http://schemas.microsoft.com/office/drawing/2010/main" val="0"/>
+              </a:ext>
+            </a:extLst>
+          </a:blip>
+          <a:srcRect/>
+          <a:stretch>
+            <a:fillRect/>
+          </a:stretch>
+        </p:blipFill>
+        <p:spPr bwMode="auto">
+          <a:xfrm>
+            <a:off x="7009176" y="4690735"/>
+            <a:ext cx="3617412" cy="1672936"/>
+          </a:xfrm>
+          <a:prstGeom prst="rect">
+            <a:avLst/>
+          </a:prstGeom>
+          <a:noFill/>
+          <a:extLst>
+            <a:ext uri="{909E8E84-426E-40DD-AFC4-6F175D3DCCD1}">
+              <a14:hiddenFill xmlns:a14="http://schemas.microsoft.com/office/drawing/2010/main">
+                <a:solidFill>
+                  <a:srgbClr val="FFFFFF"/>
+                </a:solidFill>
+              </a14:hiddenFill>
+            </a:ext>
+          </a:extLst>
+        </p:spPr>
+      </p:pic>
+      <p:pic>
+        <p:nvPicPr>
+          <p:cNvPr id="13" name="Picture 4">
+            <a:extLst>
+              <a:ext uri="{FF2B5EF4-FFF2-40B4-BE49-F238E27FC236}">
+                <a16:creationId xmlns:a16="http://schemas.microsoft.com/office/drawing/2014/main" id="{5A5149CA-D6F0-42F2-864D-674DA5460B5E}"/>
+              </a:ext>
+            </a:extLst>
+          </p:cNvPr>
+          <p:cNvPicPr>
+            <a:picLocks noChangeAspect="1" noChangeArrowheads="1"/>
+          </p:cNvPicPr>
+          <p:nvPr/>
+        </p:nvPicPr>
+        <p:blipFill>
+          <a:blip r:embed="rId6" cstate="print">
+            <a:extLst>
+              <a:ext uri="{28A0092B-C50C-407E-A947-70E740481C1C}">
+                <a14:useLocalDpi xmlns:a14="http://schemas.microsoft.com/office/drawing/2010/main" val="0"/>
+              </a:ext>
+            </a:extLst>
+          </a:blip>
+          <a:srcRect/>
+          <a:stretch>
+            <a:fillRect/>
+          </a:stretch>
+        </p:blipFill>
+        <p:spPr bwMode="auto">
+          <a:xfrm>
+            <a:off x="9286430" y="3631963"/>
+            <a:ext cx="2117544" cy="2117544"/>
+          </a:xfrm>
+          <a:prstGeom prst="rect">
+            <a:avLst/>
+          </a:prstGeom>
+          <a:noFill/>
+          <a:extLst>
+            <a:ext uri="{909E8E84-426E-40DD-AFC4-6F175D3DCCD1}">
+              <a14:hiddenFill xmlns:a14="http://schemas.microsoft.com/office/drawing/2010/main">
+                <a:solidFill>
+                  <a:srgbClr val="FFFFFF"/>
+                </a:solidFill>
+              </a14:hiddenFill>
+            </a:ext>
+          </a:extLst>
+        </p:spPr>
+      </p:pic>
     </p:spTree>
     <p:extLst>
       <p:ext uri="{BB962C8B-B14F-4D97-AF65-F5344CB8AC3E}">
-        <p14:creationId xmlns:p14="http://schemas.microsoft.com/office/powerpoint/2010/main" val="137169572"/>
+        <p14:creationId xmlns:p14="http://schemas.microsoft.com/office/powerpoint/2010/main" val="966584726"/>
       </p:ext>
     </p:extLst>
   </p:cSld>
@@ -5030,7 +6259,7 @@
           <p:cNvPr id="2" name="Заголовок 1">
             <a:extLst>
               <a:ext uri="{FF2B5EF4-FFF2-40B4-BE49-F238E27FC236}">
-                <a16:creationId xmlns:a16="http://schemas.microsoft.com/office/drawing/2014/main" id="{8F95891E-3F15-4D4F-8ED3-02B7DD3A3D28}"/>
+                <a16:creationId xmlns:a16="http://schemas.microsoft.com/office/drawing/2014/main" id="{9DD3F7A9-2C15-4655-BF82-91348F2FC8A3}"/>
               </a:ext>
             </a:extLst>
           </p:cNvPr>
@@ -5041,27 +6270,14 @@
             <p:ph type="title"/>
           </p:nvPr>
         </p:nvSpPr>
-        <p:spPr>
-          <a:xfrm>
-            <a:off x="559572" y="143658"/>
-            <a:ext cx="8863828" cy="954107"/>
-          </a:xfrm>
-        </p:spPr>
+        <p:spPr/>
         <p:txBody>
           <a:bodyPr/>
           <a:lstStyle/>
           <a:p>
             <a:r>
               <a:rPr lang="ru-RU" dirty="0"/>
-              <a:t>Проектирование и разработка </a:t>
-            </a:r>
-            <a:r>
-              <a:rPr lang="en-US" dirty="0"/>
-              <a:t>RESTful</a:t>
-            </a:r>
-            <a:r>
-              <a:rPr lang="ru-RU" dirty="0"/>
-              <a:t> сервиса</a:t>
+              <a:t>Анализ предметной области</a:t>
             </a:r>
           </a:p>
         </p:txBody>
@@ -5071,7 +6287,7 @@
           <p:cNvPr id="4" name="Текст 3">
             <a:extLst>
               <a:ext uri="{FF2B5EF4-FFF2-40B4-BE49-F238E27FC236}">
-                <a16:creationId xmlns:a16="http://schemas.microsoft.com/office/drawing/2014/main" id="{6E09FD88-A951-47DF-B1C6-9174D8FDA773}"/>
+                <a16:creationId xmlns:a16="http://schemas.microsoft.com/office/drawing/2014/main" id="{7B05226D-8C31-4D22-89D0-1F4DF20497D6}"/>
               </a:ext>
             </a:extLst>
           </p:cNvPr>
@@ -5084,79 +6300,51 @@
         </p:nvSpPr>
         <p:spPr>
           <a:xfrm>
-            <a:off x="559572" y="2193134"/>
-            <a:ext cx="6095228" cy="2954655"/>
+            <a:off x="810260" y="2408792"/>
+            <a:ext cx="6045200" cy="2954655"/>
           </a:xfrm>
         </p:spPr>
         <p:txBody>
           <a:bodyPr/>
           <a:lstStyle/>
           <a:p>
-            <a:pPr marL="285750" indent="-285750">
+            <a:pPr marL="342900" indent="-342900">
               <a:buFont typeface="Arial" panose="020B0604020202020204" pitchFamily="34" charset="0"/>
               <a:buChar char="•"/>
             </a:pPr>
             <a:r>
               <a:rPr lang="ru-RU" sz="2200" dirty="0"/>
-              <a:t>Были выделены ресурсы</a:t>
-            </a:r>
-            <a:r>
-              <a:rPr lang="en-US" sz="2200" dirty="0"/>
-              <a:t>(URI)</a:t>
-            </a:r>
+              <a:t>Проанализирован существующий классификатор МТР, используемый на предприятии</a:t>
+            </a:r>
+          </a:p>
+          <a:p>
+            <a:pPr marL="342900" indent="-342900">
+              <a:buFont typeface="Arial" panose="020B0604020202020204" pitchFamily="34" charset="0"/>
+              <a:buChar char="•"/>
+            </a:pPr>
             <a:r>
               <a:rPr lang="ru-RU" sz="2200" dirty="0"/>
-              <a:t>, которые будут использоваться веб-сервисом.</a:t>
-            </a:r>
-          </a:p>
-          <a:p>
-            <a:pPr marL="285750" indent="-285750">
+              <a:t>Рассмотрены и определены требования к бизнес-процессу</a:t>
+            </a:r>
+          </a:p>
+          <a:p>
+            <a:pPr marL="342900" indent="-342900">
               <a:buFont typeface="Arial" panose="020B0604020202020204" pitchFamily="34" charset="0"/>
               <a:buChar char="•"/>
             </a:pPr>
             <a:r>
               <a:rPr lang="ru-RU" sz="2200" dirty="0"/>
-              <a:t>Рассмотрены основные понятия используемые в </a:t>
-            </a:r>
-            <a:r>
-              <a:rPr lang="en-US" sz="2200" dirty="0"/>
-              <a:t>Django (Templates, Views, Serializers, Paginators)</a:t>
-            </a:r>
-          </a:p>
-          <a:p>
-            <a:pPr marL="285750" indent="-285750">
-              <a:buFont typeface="Arial" panose="020B0604020202020204" pitchFamily="34" charset="0"/>
-              <a:buChar char="•"/>
-            </a:pPr>
-            <a:r>
-              <a:rPr lang="ru-RU" sz="2200" dirty="0"/>
-              <a:t>Спроектирована база данных</a:t>
-            </a:r>
-            <a:r>
-              <a:rPr lang="en-US" sz="2200" dirty="0"/>
-              <a:t> (</a:t>
-            </a:r>
-            <a:r>
-              <a:rPr lang="en-US" sz="2200" dirty="0" err="1"/>
-              <a:t>PgAdmin</a:t>
-            </a:r>
-            <a:r>
-              <a:rPr lang="ru-RU" sz="2200" dirty="0"/>
-              <a:t> 4</a:t>
-            </a:r>
-            <a:r>
-              <a:rPr lang="en-US" sz="2200" dirty="0"/>
-              <a:t>, PostgreSQL 13)</a:t>
+              <a:t>Рассмотрены термины, используемые в информационной системе</a:t>
             </a:r>
           </a:p>
         </p:txBody>
       </p:sp>
       <p:pic>
         <p:nvPicPr>
-          <p:cNvPr id="4098" name="Picture 2" descr="Бесплатное векторное изображение Член команды разработчиков и мастер схватки, работающий над agile-проектом для владельцев продукта и заинтересованных сторон. концепция управления гибкими проектами">
+          <p:cNvPr id="2052" name="Picture 4" descr="Бесплатное векторное изображение Дата-центр социальных сетей. статистика smm, исследования цифрового маркетинга, анализ рыночных тенденций. эксперт-женщина изучает результаты онлайн-опроса.">
             <a:extLst>
               <a:ext uri="{FF2B5EF4-FFF2-40B4-BE49-F238E27FC236}">
-                <a16:creationId xmlns:a16="http://schemas.microsoft.com/office/drawing/2014/main" id="{242EFCDA-7D74-441C-BBE4-00BA9570D0C4}"/>
+                <a16:creationId xmlns:a16="http://schemas.microsoft.com/office/drawing/2014/main" id="{74F80679-B629-4D27-9EAF-17DC855BCB8B}"/>
               </a:ext>
             </a:extLst>
           </p:cNvPr>
@@ -5180,8 +6368,8 @@
         </p:blipFill>
         <p:spPr bwMode="auto">
           <a:xfrm>
-            <a:off x="7332183" y="2277430"/>
-            <a:ext cx="4182434" cy="2786062"/>
+            <a:off x="7745535" y="1898570"/>
+            <a:ext cx="3975100" cy="3975100"/>
           </a:xfrm>
           <a:prstGeom prst="rect">
             <a:avLst/>
@@ -5201,7 +6389,7 @@
     </p:spTree>
     <p:extLst>
       <p:ext uri="{BB962C8B-B14F-4D97-AF65-F5344CB8AC3E}">
-        <p14:creationId xmlns:p14="http://schemas.microsoft.com/office/powerpoint/2010/main" val="414213169"/>
+        <p14:creationId xmlns:p14="http://schemas.microsoft.com/office/powerpoint/2010/main" val="137169572"/>
       </p:ext>
     </p:extLst>
   </p:cSld>
@@ -5233,7 +6421,7 @@
           <p:cNvPr id="2" name="Заголовок 1">
             <a:extLst>
               <a:ext uri="{FF2B5EF4-FFF2-40B4-BE49-F238E27FC236}">
-                <a16:creationId xmlns:a16="http://schemas.microsoft.com/office/drawing/2014/main" id="{61C8A50A-53CD-4E60-A18D-C406CF898A7D}"/>
+                <a16:creationId xmlns:a16="http://schemas.microsoft.com/office/drawing/2014/main" id="{8F95891E-3F15-4D4F-8ED3-02B7DD3A3D28}"/>
               </a:ext>
             </a:extLst>
           </p:cNvPr>
@@ -5244,14 +6432,19 @@
             <p:ph type="title"/>
           </p:nvPr>
         </p:nvSpPr>
-        <p:spPr/>
+        <p:spPr>
+          <a:xfrm>
+            <a:off x="559572" y="143658"/>
+            <a:ext cx="8863828" cy="954107"/>
+          </a:xfrm>
+        </p:spPr>
         <p:txBody>
           <a:bodyPr/>
           <a:lstStyle/>
           <a:p>
             <a:r>
               <a:rPr lang="ru-RU" dirty="0"/>
-              <a:t>Модель базы данных</a:t>
+              <a:t>Проектирование и разработка информационной системы</a:t>
             </a:r>
           </a:p>
         </p:txBody>
@@ -5261,7 +6454,7 @@
           <p:cNvPr id="4" name="Текст 3">
             <a:extLst>
               <a:ext uri="{FF2B5EF4-FFF2-40B4-BE49-F238E27FC236}">
-                <a16:creationId xmlns:a16="http://schemas.microsoft.com/office/drawing/2014/main" id="{65984CBB-0DCC-4620-A4B0-8447C78414AD}"/>
+                <a16:creationId xmlns:a16="http://schemas.microsoft.com/office/drawing/2014/main" id="{6E09FD88-A951-47DF-B1C6-9174D8FDA773}"/>
               </a:ext>
             </a:extLst>
           </p:cNvPr>
@@ -5274,60 +6467,98 @@
         </p:nvSpPr>
         <p:spPr>
           <a:xfrm>
-            <a:off x="559572" y="1239367"/>
-            <a:ext cx="3873883" cy="842165"/>
+            <a:off x="677383" y="2193133"/>
+            <a:ext cx="6095228" cy="2277547"/>
           </a:xfrm>
         </p:spPr>
         <p:txBody>
           <a:bodyPr/>
           <a:lstStyle/>
           <a:p>
+            <a:pPr marL="285750" indent="-285750">
+              <a:buFont typeface="Arial" panose="020B0604020202020204" pitchFamily="34" charset="0"/>
+              <a:buChar char="•"/>
+            </a:pPr>
             <a:r>
               <a:rPr lang="ru-RU" sz="2200" dirty="0"/>
-              <a:t>Модель базы данных в приложении </a:t>
-            </a:r>
-            <a:r>
-              <a:rPr lang="en-US" sz="2200" dirty="0"/>
-              <a:t>PgAdmin4</a:t>
-            </a:r>
-            <a:endParaRPr lang="ru-RU" sz="2200" dirty="0"/>
+              <a:t>Спроектирована и разработана база данных</a:t>
+            </a:r>
+          </a:p>
+          <a:p>
+            <a:pPr marL="285750" indent="-285750">
+              <a:buFont typeface="Arial" panose="020B0604020202020204" pitchFamily="34" charset="0"/>
+              <a:buChar char="•"/>
+            </a:pPr>
+            <a:r>
+              <a:rPr lang="ru-RU" sz="2200" dirty="0"/>
+              <a:t>Разработана серверная часть приложения</a:t>
+            </a:r>
+            <a:endParaRPr lang="en-US" sz="2200" dirty="0"/>
+          </a:p>
+          <a:p>
+            <a:pPr marL="285750" indent="-285750">
+              <a:buFont typeface="Arial" panose="020B0604020202020204" pitchFamily="34" charset="0"/>
+              <a:buChar char="•"/>
+            </a:pPr>
+            <a:r>
+              <a:rPr lang="ru-RU" sz="2200" dirty="0"/>
+              <a:t>Спроектирована и разработана клиентская часть приложения</a:t>
+            </a:r>
+            <a:endParaRPr lang="en-US" sz="2200" dirty="0"/>
           </a:p>
         </p:txBody>
       </p:sp>
       <p:pic>
         <p:nvPicPr>
-          <p:cNvPr id="5" name="Рисунок 4">
+          <p:cNvPr id="4098" name="Picture 2" descr="Бесплатное векторное изображение Член команды разработчиков и мастер схватки, работающий над agile-проектом для владельцев продукта и заинтересованных сторон. концепция управления гибкими проектами">
             <a:extLst>
               <a:ext uri="{FF2B5EF4-FFF2-40B4-BE49-F238E27FC236}">
-                <a16:creationId xmlns:a16="http://schemas.microsoft.com/office/drawing/2014/main" id="{4B5F7E20-C4C0-419F-B4F7-9F43D2DDDF17}"/>
+                <a16:creationId xmlns:a16="http://schemas.microsoft.com/office/drawing/2014/main" id="{242EFCDA-7D74-441C-BBE4-00BA9570D0C4}"/>
               </a:ext>
             </a:extLst>
           </p:cNvPr>
           <p:cNvPicPr>
-            <a:picLocks noChangeAspect="1"/>
+            <a:picLocks noChangeAspect="1" noChangeArrowheads="1"/>
           </p:cNvPicPr>
           <p:nvPr/>
         </p:nvPicPr>
         <p:blipFill>
-          <a:blip r:embed="rId2"/>
+          <a:blip r:embed="rId2">
+            <a:extLst>
+              <a:ext uri="{28A0092B-C50C-407E-A947-70E740481C1C}">
+                <a14:useLocalDpi xmlns:a14="http://schemas.microsoft.com/office/drawing/2010/main" val="0"/>
+              </a:ext>
+            </a:extLst>
+          </a:blip>
+          <a:srcRect/>
           <a:stretch>
             <a:fillRect/>
           </a:stretch>
         </p:blipFill>
-        <p:spPr>
-          <a:xfrm>
-            <a:off x="4790044" y="1239367"/>
-            <a:ext cx="4806662" cy="4799009"/>
-          </a:xfrm>
-          <a:prstGeom prst="rect">
-            <a:avLst/>
-          </a:prstGeom>
+        <p:spPr bwMode="auto">
+          <a:xfrm>
+            <a:off x="7332183" y="2277430"/>
+            <a:ext cx="4182434" cy="2786062"/>
+          </a:xfrm>
+          <a:prstGeom prst="rect">
+            <a:avLst/>
+          </a:prstGeom>
+          <a:noFill/>
+          <a:extLst>
+            <a:ext uri="{909E8E84-426E-40DD-AFC4-6F175D3DCCD1}">
+              <a14:hiddenFill xmlns:a14="http://schemas.microsoft.com/office/drawing/2010/main">
+                <a:solidFill>
+                  <a:srgbClr val="FFFFFF"/>
+                </a:solidFill>
+              </a14:hiddenFill>
+            </a:ext>
+          </a:extLst>
         </p:spPr>
       </p:pic>
     </p:spTree>
     <p:extLst>
       <p:ext uri="{BB962C8B-B14F-4D97-AF65-F5344CB8AC3E}">
-        <p14:creationId xmlns:p14="http://schemas.microsoft.com/office/powerpoint/2010/main" val="4095830057"/>
+        <p14:creationId xmlns:p14="http://schemas.microsoft.com/office/powerpoint/2010/main" val="414213169"/>
       </p:ext>
     </p:extLst>
   </p:cSld>
@@ -5359,7 +6590,7 @@
           <p:cNvPr id="2" name="Заголовок 1">
             <a:extLst>
               <a:ext uri="{FF2B5EF4-FFF2-40B4-BE49-F238E27FC236}">
-                <a16:creationId xmlns:a16="http://schemas.microsoft.com/office/drawing/2014/main" id="{C8EFD389-8B33-48F9-9908-B52725A8909A}"/>
+                <a16:creationId xmlns:a16="http://schemas.microsoft.com/office/drawing/2014/main" id="{61C8A50A-53CD-4E60-A18D-C406CF898A7D}"/>
               </a:ext>
             </a:extLst>
           </p:cNvPr>
@@ -5370,281 +6601,52 @@
             <p:ph type="title"/>
           </p:nvPr>
         </p:nvSpPr>
-        <p:spPr>
-          <a:xfrm>
-            <a:off x="559572" y="143658"/>
-            <a:ext cx="9173513" cy="954107"/>
-          </a:xfrm>
-        </p:spPr>
+        <p:spPr/>
         <p:txBody>
           <a:bodyPr/>
           <a:lstStyle/>
           <a:p>
             <a:r>
               <a:rPr lang="ru-RU" dirty="0"/>
-              <a:t>Проверка работоспособности </a:t>
-            </a:r>
-            <a:r>
-              <a:rPr lang="en-US" dirty="0"/>
-              <a:t>RESTful </a:t>
-            </a:r>
-            <a:r>
-              <a:rPr lang="ru-RU" dirty="0"/>
-              <a:t>сервиса</a:t>
+              <a:t>Модель базы данных</a:t>
             </a:r>
           </a:p>
         </p:txBody>
       </p:sp>
-      <p:sp>
-        <p:nvSpPr>
-          <p:cNvPr id="5" name="Текст 3">
+      <p:pic>
+        <p:nvPicPr>
+          <p:cNvPr id="8" name="Рисунок 7">
             <a:extLst>
               <a:ext uri="{FF2B5EF4-FFF2-40B4-BE49-F238E27FC236}">
-                <a16:creationId xmlns:a16="http://schemas.microsoft.com/office/drawing/2014/main" id="{60ACD548-CCBB-4EF2-B919-63BF0B4FCB99}"/>
+                <a16:creationId xmlns:a16="http://schemas.microsoft.com/office/drawing/2014/main" id="{B3100969-4CA0-4755-9A99-D414B8D5F4C2}"/>
               </a:ext>
             </a:extLst>
           </p:cNvPr>
-          <p:cNvSpPr txBox="1">
-            <a:spLocks/>
-          </p:cNvSpPr>
+          <p:cNvPicPr>
+            <a:picLocks noChangeAspect="1"/>
+          </p:cNvPicPr>
           <p:nvPr/>
-        </p:nvSpPr>
-        <p:spPr>
-          <a:xfrm>
-            <a:off x="559572" y="1951672"/>
-            <a:ext cx="5536428" cy="2539157"/>
-          </a:xfrm>
-          <a:prstGeom prst="rect">
-            <a:avLst/>
-          </a:prstGeom>
-        </p:spPr>
-        <p:txBody>
-          <a:bodyPr wrap="square">
-            <a:spAutoFit/>
-          </a:bodyPr>
-          <a:lstStyle>
-            <a:lvl1pPr marL="0" indent="0" algn="l" defTabSz="914400" rtl="0" eaLnBrk="1" latinLnBrk="0" hangingPunct="1">
-              <a:lnSpc>
-                <a:spcPct val="100000"/>
-              </a:lnSpc>
-              <a:spcBef>
-                <a:spcPts val="0"/>
-              </a:spcBef>
-              <a:spcAft>
-                <a:spcPts val="600"/>
-              </a:spcAft>
-              <a:buFont typeface="Arial" panose="020B0604020202020204" pitchFamily="34" charset="0"/>
-              <a:buNone/>
-              <a:defRPr sz="1400" kern="1200">
-                <a:solidFill>
-                  <a:srgbClr val="222A3F"/>
-                </a:solidFill>
-                <a:latin typeface="Montserrat" panose="00000500000000000000" pitchFamily="2" charset="-52"/>
-                <a:ea typeface="+mn-ea"/>
-                <a:cs typeface="+mn-cs"/>
-              </a:defRPr>
-            </a:lvl1pPr>
-            <a:lvl2pPr marL="685800" indent="-228600" algn="l" defTabSz="914400" rtl="0" eaLnBrk="1" latinLnBrk="0" hangingPunct="1">
-              <a:lnSpc>
-                <a:spcPct val="90000"/>
-              </a:lnSpc>
-              <a:spcBef>
-                <a:spcPts val="500"/>
-              </a:spcBef>
-              <a:buFont typeface="Arial" panose="020B0604020202020204" pitchFamily="34" charset="0"/>
-              <a:buChar char="•"/>
-              <a:defRPr sz="2400" kern="1200">
-                <a:solidFill>
-                  <a:schemeClr val="tx1"/>
-                </a:solidFill>
-                <a:latin typeface="+mn-lt"/>
-                <a:ea typeface="+mn-ea"/>
-                <a:cs typeface="+mn-cs"/>
-              </a:defRPr>
-            </a:lvl2pPr>
-            <a:lvl3pPr marL="1143000" indent="-228600" algn="l" defTabSz="914400" rtl="0" eaLnBrk="1" latinLnBrk="0" hangingPunct="1">
-              <a:lnSpc>
-                <a:spcPct val="90000"/>
-              </a:lnSpc>
-              <a:spcBef>
-                <a:spcPts val="500"/>
-              </a:spcBef>
-              <a:buFont typeface="Arial" panose="020B0604020202020204" pitchFamily="34" charset="0"/>
-              <a:buChar char="•"/>
-              <a:defRPr sz="2000" kern="1200">
-                <a:solidFill>
-                  <a:schemeClr val="tx1"/>
-                </a:solidFill>
-                <a:latin typeface="+mn-lt"/>
-                <a:ea typeface="+mn-ea"/>
-                <a:cs typeface="+mn-cs"/>
-              </a:defRPr>
-            </a:lvl3pPr>
-            <a:lvl4pPr marL="1600200" indent="-228600" algn="l" defTabSz="914400" rtl="0" eaLnBrk="1" latinLnBrk="0" hangingPunct="1">
-              <a:lnSpc>
-                <a:spcPct val="90000"/>
-              </a:lnSpc>
-              <a:spcBef>
-                <a:spcPts val="500"/>
-              </a:spcBef>
-              <a:buFont typeface="Arial" panose="020B0604020202020204" pitchFamily="34" charset="0"/>
-              <a:buChar char="•"/>
-              <a:defRPr sz="1800" kern="1200">
-                <a:solidFill>
-                  <a:schemeClr val="tx1"/>
-                </a:solidFill>
-                <a:latin typeface="+mn-lt"/>
-                <a:ea typeface="+mn-ea"/>
-                <a:cs typeface="+mn-cs"/>
-              </a:defRPr>
-            </a:lvl4pPr>
-            <a:lvl5pPr marL="2057400" indent="-228600" algn="l" defTabSz="914400" rtl="0" eaLnBrk="1" latinLnBrk="0" hangingPunct="1">
-              <a:lnSpc>
-                <a:spcPct val="90000"/>
-              </a:lnSpc>
-              <a:spcBef>
-                <a:spcPts val="500"/>
-              </a:spcBef>
-              <a:buFont typeface="Arial" panose="020B0604020202020204" pitchFamily="34" charset="0"/>
-              <a:buChar char="•"/>
-              <a:defRPr sz="1800" kern="1200">
-                <a:solidFill>
-                  <a:schemeClr val="tx1"/>
-                </a:solidFill>
-                <a:latin typeface="+mn-lt"/>
-                <a:ea typeface="+mn-ea"/>
-                <a:cs typeface="+mn-cs"/>
-              </a:defRPr>
-            </a:lvl5pPr>
-            <a:lvl6pPr marL="2514600" indent="-228600" algn="l" defTabSz="914400" rtl="0" eaLnBrk="1" latinLnBrk="0" hangingPunct="1">
-              <a:lnSpc>
-                <a:spcPct val="90000"/>
-              </a:lnSpc>
-              <a:spcBef>
-                <a:spcPts val="500"/>
-              </a:spcBef>
-              <a:buFont typeface="Arial" panose="020B0604020202020204" pitchFamily="34" charset="0"/>
-              <a:buChar char="•"/>
-              <a:defRPr sz="1800" kern="1200">
-                <a:solidFill>
-                  <a:schemeClr val="tx1"/>
-                </a:solidFill>
-                <a:latin typeface="+mn-lt"/>
-                <a:ea typeface="+mn-ea"/>
-                <a:cs typeface="+mn-cs"/>
-              </a:defRPr>
-            </a:lvl6pPr>
-            <a:lvl7pPr marL="2971800" indent="-228600" algn="l" defTabSz="914400" rtl="0" eaLnBrk="1" latinLnBrk="0" hangingPunct="1">
-              <a:lnSpc>
-                <a:spcPct val="90000"/>
-              </a:lnSpc>
-              <a:spcBef>
-                <a:spcPts val="500"/>
-              </a:spcBef>
-              <a:buFont typeface="Arial" panose="020B0604020202020204" pitchFamily="34" charset="0"/>
-              <a:buChar char="•"/>
-              <a:defRPr sz="1800" kern="1200">
-                <a:solidFill>
-                  <a:schemeClr val="tx1"/>
-                </a:solidFill>
-                <a:latin typeface="+mn-lt"/>
-                <a:ea typeface="+mn-ea"/>
-                <a:cs typeface="+mn-cs"/>
-              </a:defRPr>
-            </a:lvl7pPr>
-            <a:lvl8pPr marL="3429000" indent="-228600" algn="l" defTabSz="914400" rtl="0" eaLnBrk="1" latinLnBrk="0" hangingPunct="1">
-              <a:lnSpc>
-                <a:spcPct val="90000"/>
-              </a:lnSpc>
-              <a:spcBef>
-                <a:spcPts val="500"/>
-              </a:spcBef>
-              <a:buFont typeface="Arial" panose="020B0604020202020204" pitchFamily="34" charset="0"/>
-              <a:buChar char="•"/>
-              <a:defRPr sz="1800" kern="1200">
-                <a:solidFill>
-                  <a:schemeClr val="tx1"/>
-                </a:solidFill>
-                <a:latin typeface="+mn-lt"/>
-                <a:ea typeface="+mn-ea"/>
-                <a:cs typeface="+mn-cs"/>
-              </a:defRPr>
-            </a:lvl8pPr>
-            <a:lvl9pPr marL="3886200" indent="-228600" algn="l" defTabSz="914400" rtl="0" eaLnBrk="1" latinLnBrk="0" hangingPunct="1">
-              <a:lnSpc>
-                <a:spcPct val="90000"/>
-              </a:lnSpc>
-              <a:spcBef>
-                <a:spcPts val="500"/>
-              </a:spcBef>
-              <a:buFont typeface="Arial" panose="020B0604020202020204" pitchFamily="34" charset="0"/>
-              <a:buChar char="•"/>
-              <a:defRPr sz="1800" kern="1200">
-                <a:solidFill>
-                  <a:schemeClr val="tx1"/>
-                </a:solidFill>
-                <a:latin typeface="+mn-lt"/>
-                <a:ea typeface="+mn-ea"/>
-                <a:cs typeface="+mn-cs"/>
-              </a:defRPr>
-            </a:lvl9pPr>
-          </a:lstStyle>
-          <a:p>
-            <a:pPr marL="285750" indent="-285750">
-              <a:buFont typeface="Arial" panose="020B0604020202020204" pitchFamily="34" charset="0"/>
-              <a:buChar char="•"/>
-            </a:pPr>
-            <a:r>
-              <a:rPr lang="en-US" sz="2200" dirty="0"/>
-              <a:t>RESTful</a:t>
-            </a:r>
-            <a:r>
-              <a:rPr lang="ru-RU" sz="2200" dirty="0"/>
-              <a:t> сервис</a:t>
-            </a:r>
-            <a:r>
-              <a:rPr lang="en-US" sz="2200" dirty="0"/>
-              <a:t> </a:t>
-            </a:r>
-            <a:r>
-              <a:rPr lang="ru-RU" sz="2200" dirty="0"/>
-              <a:t>располагается по адресу</a:t>
-            </a:r>
-            <a:r>
-              <a:rPr lang="en-US" sz="2200" dirty="0"/>
-              <a:t>: </a:t>
-            </a:r>
-            <a:r>
-              <a:rPr lang="en-US" sz="2200" dirty="0">
-                <a:hlinkClick r:id="rId2"/>
-              </a:rPr>
-              <a:t>http://94.190.71.245:8000/api_root/doctors?page=1</a:t>
-            </a:r>
-            <a:endParaRPr lang="en-US" sz="2200" dirty="0"/>
-          </a:p>
-          <a:p>
-            <a:pPr marL="285750" indent="-285750">
-              <a:buFont typeface="Arial" panose="020B0604020202020204" pitchFamily="34" charset="0"/>
-              <a:buChar char="•"/>
-            </a:pPr>
-            <a:r>
-              <a:rPr lang="ru-RU" sz="2200" dirty="0"/>
-              <a:t>Приложение для проверки </a:t>
-            </a:r>
-            <a:r>
-              <a:rPr lang="en-US" sz="2200" dirty="0">
-                <a:hlinkClick r:id="rId3"/>
-              </a:rPr>
-              <a:t>http://94.190.71.245:8000/api_forms/doctors/</a:t>
-            </a:r>
-            <a:endParaRPr lang="en-US" sz="2200" dirty="0"/>
-          </a:p>
-        </p:txBody>
-      </p:sp>
+        </p:nvPicPr>
+        <p:blipFill>
+          <a:blip r:embed="rId2"/>
+          <a:stretch>
+            <a:fillRect/>
+          </a:stretch>
+        </p:blipFill>
+        <p:spPr>
+          <a:xfrm>
+            <a:off x="1008273" y="882321"/>
+            <a:ext cx="10175454" cy="5885802"/>
+          </a:xfrm>
+          <a:prstGeom prst="rect">
+            <a:avLst/>
+          </a:prstGeom>
+        </p:spPr>
+      </p:pic>
     </p:spTree>
     <p:extLst>
       <p:ext uri="{BB962C8B-B14F-4D97-AF65-F5344CB8AC3E}">
-        <p14:creationId xmlns:p14="http://schemas.microsoft.com/office/powerpoint/2010/main" val="2360450988"/>
+        <p14:creationId xmlns:p14="http://schemas.microsoft.com/office/powerpoint/2010/main" val="4095830057"/>
       </p:ext>
     </p:extLst>
   </p:cSld>
